--- a/M3. Types/Types.pptx
+++ b/M3. Types/Types.pptx
@@ -296,7 +296,7 @@
               <a:pPr>
                 <a:defRPr/>
               </a:pPr>
-              <a:t>7/11/17</a:t>
+              <a:t>12/19/17</a:t>
             </a:fld>
             <a:endParaRPr lang="en-US" dirty="0"/>
           </a:p>
@@ -3598,7 +3598,7 @@
       </p:sp>
       <p:grpSp>
         <p:nvGrpSpPr>
-          <p:cNvPr id="4" name="Group 3"/>
+          <p:cNvPr id="18" name="Group 17"/>
           <p:cNvGrpSpPr/>
           <p:nvPr/>
         </p:nvGrpSpPr>
@@ -3612,7 +3612,7 @@
         </p:grpSpPr>
         <p:sp>
           <p:nvSpPr>
-            <p:cNvPr id="5" name="Flowchart: Document 3"/>
+            <p:cNvPr id="19" name="Flowchart: Document 3"/>
             <p:cNvSpPr/>
             <p:nvPr/>
           </p:nvSpPr>
@@ -4438,7 +4438,7 @@
         </p:sp>
         <p:sp>
           <p:nvSpPr>
-            <p:cNvPr id="6" name="TextBox 5"/>
+            <p:cNvPr id="20" name="TextBox 19"/>
             <p:cNvSpPr txBox="1"/>
             <p:nvPr/>
           </p:nvSpPr>
@@ -4476,9 +4476,9 @@
         </p:sp>
         <p:cxnSp>
           <p:nvCxnSpPr>
-            <p:cNvPr id="7" name="Straight Arrow Connector 6"/>
+            <p:cNvPr id="21" name="Straight Arrow Connector 20"/>
             <p:cNvCxnSpPr>
-              <a:stCxn id="6" idx="1"/>
+              <a:stCxn id="22" idx="1"/>
             </p:cNvCxnSpPr>
             <p:nvPr/>
           </p:nvCxnSpPr>
@@ -4518,7 +4518,7 @@
         </p:cxnSp>
         <p:sp>
           <p:nvSpPr>
-            <p:cNvPr id="9" name="TextBox 8"/>
+            <p:cNvPr id="22" name="TextBox 21"/>
             <p:cNvSpPr txBox="1"/>
             <p:nvPr/>
           </p:nvSpPr>
@@ -4556,9 +4556,9 @@
         </p:sp>
         <p:cxnSp>
           <p:nvCxnSpPr>
-            <p:cNvPr id="10" name="Straight Arrow Connector 9"/>
+            <p:cNvPr id="23" name="Straight Arrow Connector 22"/>
             <p:cNvCxnSpPr>
-              <a:stCxn id="9" idx="1"/>
+              <a:stCxn id="25" idx="1"/>
             </p:cNvCxnSpPr>
             <p:nvPr/>
           </p:nvCxnSpPr>
@@ -4598,9 +4598,9 @@
         </p:cxnSp>
         <p:cxnSp>
           <p:nvCxnSpPr>
-            <p:cNvPr id="11" name="Straight Arrow Connector 10"/>
+            <p:cNvPr id="24" name="Straight Arrow Connector 23"/>
             <p:cNvCxnSpPr>
-              <a:stCxn id="6" idx="1"/>
+              <a:stCxn id="22" idx="1"/>
             </p:cNvCxnSpPr>
             <p:nvPr/>
           </p:nvCxnSpPr>
@@ -4640,7 +4640,7 @@
         </p:cxnSp>
         <p:sp>
           <p:nvSpPr>
-            <p:cNvPr id="12" name="TextBox 11"/>
+            <p:cNvPr id="25" name="TextBox 24"/>
             <p:cNvSpPr txBox="1"/>
             <p:nvPr/>
           </p:nvSpPr>
@@ -4678,9 +4678,9 @@
         </p:sp>
         <p:cxnSp>
           <p:nvCxnSpPr>
-            <p:cNvPr id="13" name="Straight Arrow Connector 12"/>
+            <p:cNvPr id="26" name="Straight Arrow Connector 25"/>
             <p:cNvCxnSpPr>
-              <a:stCxn id="12" idx="1"/>
+              <a:stCxn id="28" idx="1"/>
             </p:cNvCxnSpPr>
             <p:nvPr/>
           </p:nvCxnSpPr>
@@ -4720,7 +4720,7 @@
         </p:cxnSp>
         <p:sp>
           <p:nvSpPr>
-            <p:cNvPr id="14" name="TextBox 13"/>
+            <p:cNvPr id="27" name="TextBox 26"/>
             <p:cNvSpPr txBox="1"/>
             <p:nvPr/>
           </p:nvSpPr>
@@ -4758,9 +4758,9 @@
         </p:sp>
         <p:cxnSp>
           <p:nvCxnSpPr>
-            <p:cNvPr id="15" name="Straight Arrow Connector 14"/>
+            <p:cNvPr id="28" name="Straight Arrow Connector 27"/>
             <p:cNvCxnSpPr>
-              <a:stCxn id="14" idx="1"/>
+              <a:stCxn id="30" idx="1"/>
             </p:cNvCxnSpPr>
             <p:nvPr/>
           </p:nvCxnSpPr>
@@ -4800,7 +4800,7 @@
         </p:cxnSp>
         <p:sp>
           <p:nvSpPr>
-            <p:cNvPr id="16" name="TextBox 15"/>
+            <p:cNvPr id="29" name="TextBox 28"/>
             <p:cNvSpPr txBox="1"/>
             <p:nvPr/>
           </p:nvSpPr>
@@ -4838,10 +4838,8 @@
         </p:sp>
         <p:cxnSp>
           <p:nvCxnSpPr>
-            <p:cNvPr id="17" name="Straight Arrow Connector 16"/>
-            <p:cNvCxnSpPr>
-              <a:stCxn id="16" idx="1"/>
-            </p:cNvCxnSpPr>
+            <p:cNvPr id="30" name="Straight Arrow Connector 29"/>
+            <p:cNvCxnSpPr/>
             <p:nvPr/>
           </p:nvCxnSpPr>
           <p:spPr>
@@ -7420,100 +7418,275 @@
           </a:p>
         </p:txBody>
       </p:sp>
-      <p:sp>
-        <p:nvSpPr>
-          <p:cNvPr id="6" name="Rounded Rectangle 5"/>
-          <p:cNvSpPr/>
+      <p:grpSp>
+        <p:nvGrpSpPr>
+          <p:cNvPr id="3" name="Group 2"/>
+          <p:cNvGrpSpPr/>
           <p:nvPr/>
-        </p:nvSpPr>
-        <p:spPr>
+        </p:nvGrpSpPr>
+        <p:grpSpPr>
           <a:xfrm>
             <a:off x="152400" y="685800"/>
-            <a:ext cx="8763000" cy="838198"/>
+            <a:ext cx="8880763" cy="5486400"/>
+            <a:chOff x="152400" y="685800"/>
+            <a:chExt cx="8880763" cy="5486400"/>
           </a:xfrm>
-          <a:prstGeom prst="roundRect">
-            <a:avLst/>
-          </a:prstGeom>
-          <a:noFill/>
-          <a:ln>
+        </p:grpSpPr>
+        <p:sp>
+          <p:nvSpPr>
+            <p:cNvPr id="6" name="Rounded Rectangle 5"/>
+            <p:cNvSpPr/>
+            <p:nvPr/>
+          </p:nvSpPr>
+          <p:spPr>
+            <a:xfrm>
+              <a:off x="152400" y="685800"/>
+              <a:ext cx="8763000" cy="838198"/>
+            </a:xfrm>
+            <a:prstGeom prst="roundRect">
+              <a:avLst/>
+            </a:prstGeom>
             <a:noFill/>
-          </a:ln>
-          <a:effectLst/>
-        </p:spPr>
-        <p:style>
-          <a:lnRef idx="1">
-            <a:schemeClr val="accent1"/>
-          </a:lnRef>
-          <a:fillRef idx="2">
-            <a:schemeClr val="accent1"/>
-          </a:fillRef>
-          <a:effectRef idx="1">
-            <a:schemeClr val="accent1"/>
-          </a:effectRef>
-          <a:fontRef idx="minor">
-            <a:schemeClr val="dk1"/>
-          </a:fontRef>
-        </p:style>
-        <p:txBody>
-          <a:bodyPr lIns="117416" tIns="58707" rIns="117416" bIns="58707" rtlCol="0" anchor="ctr"/>
-          <a:lstStyle/>
-          <a:p>
-            <a:r>
-              <a:rPr lang="en-US" dirty="0">
-                <a:solidFill>
-                  <a:schemeClr val="accent2">
-                    <a:lumMod val="50000"/>
-                  </a:schemeClr>
-                </a:solidFill>
-                <a:latin typeface="Calibri" charset="0"/>
-                <a:ea typeface="Calibri" charset="0"/>
-                <a:cs typeface="Calibri" charset="0"/>
-              </a:rPr>
-              <a:t>A partial type may contain partial methods. These let an auto-generated partial type provide customizable hooks for manual authoring </a:t>
-            </a:r>
-          </a:p>
-        </p:txBody>
-      </p:sp>
-      <p:sp>
-        <p:nvSpPr>
-          <p:cNvPr id="12" name="Flowchart: Document 11"/>
-          <p:cNvSpPr/>
-          <p:nvPr/>
-        </p:nvSpPr>
-        <p:spPr>
-          <a:xfrm>
-            <a:off x="228600" y="1707179"/>
-            <a:ext cx="8686800" cy="1721823"/>
-          </a:xfrm>
-          <a:prstGeom prst="flowChartDocument">
-            <a:avLst/>
-          </a:prstGeom>
-          <a:noFill/>
-          <a:ln>
+            <a:ln>
+              <a:noFill/>
+            </a:ln>
+            <a:effectLst/>
+          </p:spPr>
+          <p:style>
+            <a:lnRef idx="1">
+              <a:schemeClr val="accent1"/>
+            </a:lnRef>
+            <a:fillRef idx="2">
+              <a:schemeClr val="accent1"/>
+            </a:fillRef>
+            <a:effectRef idx="1">
+              <a:schemeClr val="accent1"/>
+            </a:effectRef>
+            <a:fontRef idx="minor">
+              <a:schemeClr val="dk1"/>
+            </a:fontRef>
+          </p:style>
+          <p:txBody>
+            <a:bodyPr lIns="117416" tIns="58707" rIns="117416" bIns="58707" rtlCol="0" anchor="ctr"/>
+            <a:lstStyle/>
+            <a:p>
+              <a:r>
+                <a:rPr lang="en-US" dirty="0">
+                  <a:solidFill>
+                    <a:schemeClr val="accent2">
+                      <a:lumMod val="50000"/>
+                    </a:schemeClr>
+                  </a:solidFill>
+                  <a:latin typeface="Calibri" charset="0"/>
+                  <a:ea typeface="Calibri" charset="0"/>
+                  <a:cs typeface="Calibri" charset="0"/>
+                </a:rPr>
+                <a:t>A partial type may contain partial methods. These let an auto-generated partial type provide customizable hooks for manual authoring </a:t>
+              </a:r>
+            </a:p>
+          </p:txBody>
+        </p:sp>
+        <p:sp>
+          <p:nvSpPr>
+            <p:cNvPr id="12" name="Flowchart: Document 11"/>
+            <p:cNvSpPr/>
+            <p:nvPr/>
+          </p:nvSpPr>
+          <p:spPr>
+            <a:xfrm>
+              <a:off x="228600" y="1707179"/>
+              <a:ext cx="8686800" cy="1721823"/>
+            </a:xfrm>
+            <a:prstGeom prst="flowChartDocument">
+              <a:avLst/>
+            </a:prstGeom>
             <a:noFill/>
-          </a:ln>
-          <a:effectLst/>
-        </p:spPr>
-        <p:style>
-          <a:lnRef idx="2">
-            <a:schemeClr val="accent1"/>
-          </a:lnRef>
-          <a:fillRef idx="1">
-            <a:schemeClr val="lt1"/>
-          </a:fillRef>
-          <a:effectRef idx="0">
-            <a:schemeClr val="accent1"/>
-          </a:effectRef>
-          <a:fontRef idx="minor">
-            <a:schemeClr val="dk1"/>
-          </a:fontRef>
-        </p:style>
-        <p:txBody>
-          <a:bodyPr lIns="117416" tIns="58707" rIns="117416" bIns="58707" rtlCol="0" anchor="ctr"/>
-          <a:lstStyle/>
-          <a:p>
-            <a:r>
-              <a:rPr lang="en-US" sz="1600" dirty="0" smtClean="0">
+            <a:ln>
+              <a:noFill/>
+            </a:ln>
+            <a:effectLst/>
+          </p:spPr>
+          <p:style>
+            <a:lnRef idx="2">
+              <a:schemeClr val="accent1"/>
+            </a:lnRef>
+            <a:fillRef idx="1">
+              <a:schemeClr val="lt1"/>
+            </a:fillRef>
+            <a:effectRef idx="0">
+              <a:schemeClr val="accent1"/>
+            </a:effectRef>
+            <a:fontRef idx="minor">
+              <a:schemeClr val="dk1"/>
+            </a:fontRef>
+          </p:style>
+          <p:txBody>
+            <a:bodyPr lIns="117416" tIns="58707" rIns="117416" bIns="58707" rtlCol="0" anchor="ctr"/>
+            <a:lstStyle/>
+            <a:p>
+              <a:r>
+                <a:rPr lang="en-US" sz="1600" dirty="0" smtClean="0">
+                  <a:solidFill>
+                    <a:schemeClr val="accent2">
+                      <a:lumMod val="50000"/>
+                    </a:schemeClr>
+                  </a:solidFill>
+                  <a:latin typeface="Consolas" charset="0"/>
+                  <a:ea typeface="Consolas" charset="0"/>
+                  <a:cs typeface="Consolas" charset="0"/>
+                </a:rPr>
+                <a:t>partial class </a:t>
+              </a:r>
+              <a:r>
+                <a:rPr lang="en-US" sz="1600" dirty="0" err="1" smtClean="0">
+                  <a:solidFill>
+                    <a:schemeClr val="accent2">
+                      <a:lumMod val="50000"/>
+                    </a:schemeClr>
+                  </a:solidFill>
+                  <a:latin typeface="Consolas" charset="0"/>
+                  <a:ea typeface="Consolas" charset="0"/>
+                  <a:cs typeface="Consolas" charset="0"/>
+                </a:rPr>
+                <a:t>PaymentForm</a:t>
+              </a:r>
+              <a:r>
+                <a:rPr lang="en-US" sz="1600" dirty="0" smtClean="0">
+                  <a:solidFill>
+                    <a:schemeClr val="accent2">
+                      <a:lumMod val="50000"/>
+                    </a:schemeClr>
+                  </a:solidFill>
+                  <a:latin typeface="Consolas" charset="0"/>
+                  <a:ea typeface="Consolas" charset="0"/>
+                  <a:cs typeface="Consolas" charset="0"/>
+                </a:rPr>
+                <a:t> // In auto-generated file </a:t>
+              </a:r>
+            </a:p>
+            <a:p>
+              <a:r>
+                <a:rPr lang="en-US" sz="1600" dirty="0" smtClean="0">
+                  <a:solidFill>
+                    <a:schemeClr val="accent2">
+                      <a:lumMod val="50000"/>
+                    </a:schemeClr>
+                  </a:solidFill>
+                  <a:latin typeface="Consolas" charset="0"/>
+                  <a:ea typeface="Consolas" charset="0"/>
+                  <a:cs typeface="Consolas" charset="0"/>
+                </a:rPr>
+                <a:t>{ ... </a:t>
+              </a:r>
+            </a:p>
+            <a:p>
+              <a:r>
+                <a:rPr lang="en-US" sz="1600" dirty="0" smtClean="0">
+                  <a:solidFill>
+                    <a:schemeClr val="accent2">
+                      <a:lumMod val="50000"/>
+                    </a:schemeClr>
+                  </a:solidFill>
+                  <a:latin typeface="Consolas" charset="0"/>
+                  <a:ea typeface="Consolas" charset="0"/>
+                  <a:cs typeface="Consolas" charset="0"/>
+                </a:rPr>
+                <a:t>	partial </a:t>
+              </a:r>
+              <a:r>
+                <a:rPr lang="en-US" sz="1600" b="1" dirty="0" smtClean="0">
+                  <a:solidFill>
+                    <a:schemeClr val="accent2">
+                      <a:lumMod val="50000"/>
+                    </a:schemeClr>
+                  </a:solidFill>
+                  <a:latin typeface="Consolas" charset="0"/>
+                  <a:ea typeface="Consolas" charset="0"/>
+                  <a:cs typeface="Consolas" charset="0"/>
+                </a:rPr>
+                <a:t>void</a:t>
+              </a:r>
+              <a:r>
+                <a:rPr lang="en-US" sz="1600" dirty="0" smtClean="0">
+                  <a:solidFill>
+                    <a:schemeClr val="accent2">
+                      <a:lumMod val="50000"/>
+                    </a:schemeClr>
+                  </a:solidFill>
+                  <a:latin typeface="Consolas" charset="0"/>
+                  <a:ea typeface="Consolas" charset="0"/>
+                  <a:cs typeface="Consolas" charset="0"/>
+                </a:rPr>
+                <a:t> </a:t>
+              </a:r>
+              <a:r>
+                <a:rPr lang="en-US" sz="1600" dirty="0" err="1" smtClean="0">
+                  <a:solidFill>
+                    <a:schemeClr val="accent2">
+                      <a:lumMod val="50000"/>
+                    </a:schemeClr>
+                  </a:solidFill>
+                  <a:latin typeface="Consolas" charset="0"/>
+                  <a:ea typeface="Consolas" charset="0"/>
+                  <a:cs typeface="Consolas" charset="0"/>
+                </a:rPr>
+                <a:t>ValidatePayment</a:t>
+              </a:r>
+              <a:r>
+                <a:rPr lang="en-US" sz="1600" dirty="0" smtClean="0">
+                  <a:solidFill>
+                    <a:schemeClr val="accent2">
+                      <a:lumMod val="50000"/>
+                    </a:schemeClr>
+                  </a:solidFill>
+                  <a:latin typeface="Consolas" charset="0"/>
+                  <a:ea typeface="Consolas" charset="0"/>
+                  <a:cs typeface="Consolas" charset="0"/>
+                </a:rPr>
+                <a:t> (</a:t>
+              </a:r>
+              <a:r>
+                <a:rPr lang="en-US" sz="1600" b="1" dirty="0" smtClean="0">
+                  <a:solidFill>
+                    <a:schemeClr val="accent2">
+                      <a:lumMod val="50000"/>
+                    </a:schemeClr>
+                  </a:solidFill>
+                  <a:latin typeface="Consolas" charset="0"/>
+                  <a:ea typeface="Consolas" charset="0"/>
+                  <a:cs typeface="Consolas" charset="0"/>
+                </a:rPr>
+                <a:t>ref</a:t>
+              </a:r>
+              <a:r>
+                <a:rPr lang="en-US" sz="1600" dirty="0" smtClean="0">
+                  <a:solidFill>
+                    <a:schemeClr val="accent2">
+                      <a:lumMod val="50000"/>
+                    </a:schemeClr>
+                  </a:solidFill>
+                  <a:latin typeface="Consolas" charset="0"/>
+                  <a:ea typeface="Consolas" charset="0"/>
+                  <a:cs typeface="Consolas" charset="0"/>
+                </a:rPr>
+                <a:t> decimal amount); </a:t>
+              </a:r>
+            </a:p>
+            <a:p>
+              <a:r>
+                <a:rPr lang="en-US" sz="1600" dirty="0" smtClean="0">
+                  <a:solidFill>
+                    <a:schemeClr val="accent2">
+                      <a:lumMod val="50000"/>
+                    </a:schemeClr>
+                  </a:solidFill>
+                  <a:latin typeface="Consolas" charset="0"/>
+                  <a:ea typeface="Consolas" charset="0"/>
+                  <a:cs typeface="Consolas" charset="0"/>
+                </a:rPr>
+                <a:t>} </a:t>
+              </a:r>
+              <a:endParaRPr lang="en-US" sz="1600" dirty="0">
                 <a:solidFill>
                   <a:schemeClr val="accent2">
                     <a:lumMod val="50000"/>
@@ -7522,11 +7695,88 @@
                 <a:latin typeface="Consolas" charset="0"/>
                 <a:ea typeface="Consolas" charset="0"/>
                 <a:cs typeface="Consolas" charset="0"/>
-              </a:rPr>
-              <a:t>partial class </a:t>
-            </a:r>
-            <a:r>
-              <a:rPr lang="en-US" sz="1600" dirty="0" err="1" smtClean="0">
+              </a:endParaRPr>
+            </a:p>
+          </p:txBody>
+        </p:sp>
+        <p:sp>
+          <p:nvSpPr>
+            <p:cNvPr id="14" name="Flowchart: Document 13"/>
+            <p:cNvSpPr/>
+            <p:nvPr/>
+          </p:nvSpPr>
+          <p:spPr>
+            <a:xfrm>
+              <a:off x="228600" y="3276600"/>
+              <a:ext cx="8686800" cy="2895600"/>
+            </a:xfrm>
+            <a:prstGeom prst="flowChartDocument">
+              <a:avLst/>
+            </a:prstGeom>
+            <a:noFill/>
+            <a:ln>
+              <a:noFill/>
+            </a:ln>
+            <a:effectLst/>
+          </p:spPr>
+          <p:style>
+            <a:lnRef idx="2">
+              <a:schemeClr val="accent1"/>
+            </a:lnRef>
+            <a:fillRef idx="1">
+              <a:schemeClr val="lt1"/>
+            </a:fillRef>
+            <a:effectRef idx="0">
+              <a:schemeClr val="accent1"/>
+            </a:effectRef>
+            <a:fontRef idx="minor">
+              <a:schemeClr val="dk1"/>
+            </a:fontRef>
+          </p:style>
+          <p:txBody>
+            <a:bodyPr lIns="117416" tIns="58707" rIns="117416" bIns="58707" rtlCol="0" anchor="ctr"/>
+            <a:lstStyle/>
+            <a:p>
+              <a:r>
+                <a:rPr lang="en-US" sz="1600" dirty="0">
+                  <a:solidFill>
+                    <a:schemeClr val="accent2">
+                      <a:lumMod val="50000"/>
+                    </a:schemeClr>
+                  </a:solidFill>
+                  <a:latin typeface="Consolas" charset="0"/>
+                  <a:ea typeface="Consolas" charset="0"/>
+                  <a:cs typeface="Consolas" charset="0"/>
+                </a:rPr>
+                <a:t>partial class </a:t>
+              </a:r>
+              <a:r>
+                <a:rPr lang="en-US" sz="1600" dirty="0" err="1">
+                  <a:solidFill>
+                    <a:schemeClr val="accent2">
+                      <a:lumMod val="50000"/>
+                    </a:schemeClr>
+                  </a:solidFill>
+                  <a:latin typeface="Consolas" charset="0"/>
+                  <a:ea typeface="Consolas" charset="0"/>
+                  <a:cs typeface="Consolas" charset="0"/>
+                </a:rPr>
+                <a:t>PaymentForm</a:t>
+              </a:r>
+              <a:r>
+                <a:rPr lang="en-US" sz="1600" dirty="0">
+                  <a:solidFill>
+                    <a:schemeClr val="accent2">
+                      <a:lumMod val="50000"/>
+                    </a:schemeClr>
+                  </a:solidFill>
+                  <a:latin typeface="Consolas" charset="0"/>
+                  <a:ea typeface="Consolas" charset="0"/>
+                  <a:cs typeface="Consolas" charset="0"/>
+                </a:rPr>
+                <a:t> // In hand-authored file </a:t>
+              </a:r>
+              <a:endParaRPr lang="en-US" sz="1600" dirty="0" smtClean="0">
                 <a:solidFill>
                   <a:schemeClr val="accent2">
                     <a:lumMod val="50000"/>
@@ -7535,11 +7785,36 @@
                 <a:latin typeface="Consolas" charset="0"/>
                 <a:ea typeface="Consolas" charset="0"/>
                 <a:cs typeface="Consolas" charset="0"/>
-              </a:rPr>
-              <a:t>PaymentForm</a:t>
-            </a:r>
-            <a:r>
-              <a:rPr lang="en-US" sz="1600" dirty="0" smtClean="0">
+              </a:endParaRPr>
+            </a:p>
+            <a:p>
+              <a:r>
+                <a:rPr lang="en-US" sz="1600" dirty="0" smtClean="0">
+                  <a:solidFill>
+                    <a:schemeClr val="accent2">
+                      <a:lumMod val="50000"/>
+                    </a:schemeClr>
+                  </a:solidFill>
+                  <a:latin typeface="Consolas" charset="0"/>
+                  <a:ea typeface="Consolas" charset="0"/>
+                  <a:cs typeface="Consolas" charset="0"/>
+                </a:rPr>
+                <a:t>{ </a:t>
+              </a:r>
+              <a:r>
+                <a:rPr lang="en-US" sz="1600" dirty="0">
+                  <a:solidFill>
+                    <a:schemeClr val="accent2">
+                      <a:lumMod val="50000"/>
+                    </a:schemeClr>
+                  </a:solidFill>
+                  <a:latin typeface="Consolas" charset="0"/>
+                  <a:ea typeface="Consolas" charset="0"/>
+                  <a:cs typeface="Consolas" charset="0"/>
+                </a:rPr>
+                <a:t>... </a:t>
+              </a:r>
+              <a:endParaRPr lang="en-US" sz="1600" dirty="0" smtClean="0">
                 <a:solidFill>
                   <a:schemeClr val="accent2">
                     <a:lumMod val="50000"/>
@@ -7548,13 +7823,140 @@
                 <a:latin typeface="Consolas" charset="0"/>
                 <a:ea typeface="Consolas" charset="0"/>
                 <a:cs typeface="Consolas" charset="0"/>
-              </a:rPr>
-              <a:t> // In auto-generated file </a:t>
-            </a:r>
-          </a:p>
-          <a:p>
-            <a:r>
-              <a:rPr lang="en-US" sz="1600" dirty="0" smtClean="0">
+              </a:endParaRPr>
+            </a:p>
+            <a:p>
+              <a:r>
+                <a:rPr lang="en-US" sz="1600" dirty="0">
+                  <a:solidFill>
+                    <a:schemeClr val="accent2">
+                      <a:lumMod val="50000"/>
+                    </a:schemeClr>
+                  </a:solidFill>
+                  <a:latin typeface="Consolas" charset="0"/>
+                  <a:ea typeface="Consolas" charset="0"/>
+                  <a:cs typeface="Consolas" charset="0"/>
+                </a:rPr>
+                <a:t>	</a:t>
+              </a:r>
+              <a:r>
+                <a:rPr lang="en-US" sz="1600" dirty="0" smtClean="0">
+                  <a:solidFill>
+                    <a:schemeClr val="accent2">
+                      <a:lumMod val="50000"/>
+                    </a:schemeClr>
+                  </a:solidFill>
+                  <a:latin typeface="Consolas" charset="0"/>
+                  <a:ea typeface="Consolas" charset="0"/>
+                  <a:cs typeface="Consolas" charset="0"/>
+                </a:rPr>
+                <a:t>partial </a:t>
+              </a:r>
+              <a:r>
+                <a:rPr lang="en-US" sz="1600" b="1" dirty="0">
+                  <a:solidFill>
+                    <a:schemeClr val="accent2">
+                      <a:lumMod val="50000"/>
+                    </a:schemeClr>
+                  </a:solidFill>
+                  <a:latin typeface="Consolas" charset="0"/>
+                  <a:ea typeface="Consolas" charset="0"/>
+                  <a:cs typeface="Consolas" charset="0"/>
+                </a:rPr>
+                <a:t>void</a:t>
+              </a:r>
+              <a:r>
+                <a:rPr lang="en-US" sz="1600" dirty="0">
+                  <a:solidFill>
+                    <a:schemeClr val="accent2">
+                      <a:lumMod val="50000"/>
+                    </a:schemeClr>
+                  </a:solidFill>
+                  <a:latin typeface="Consolas" charset="0"/>
+                  <a:ea typeface="Consolas" charset="0"/>
+                  <a:cs typeface="Consolas" charset="0"/>
+                </a:rPr>
+                <a:t> </a:t>
+              </a:r>
+              <a:r>
+                <a:rPr lang="en-US" sz="1600" dirty="0" err="1">
+                  <a:solidFill>
+                    <a:schemeClr val="accent2">
+                      <a:lumMod val="50000"/>
+                    </a:schemeClr>
+                  </a:solidFill>
+                  <a:latin typeface="Consolas" charset="0"/>
+                  <a:ea typeface="Consolas" charset="0"/>
+                  <a:cs typeface="Consolas" charset="0"/>
+                </a:rPr>
+                <a:t>ValidatePayment</a:t>
+              </a:r>
+              <a:r>
+                <a:rPr lang="en-US" sz="1600" dirty="0">
+                  <a:solidFill>
+                    <a:schemeClr val="accent2">
+                      <a:lumMod val="50000"/>
+                    </a:schemeClr>
+                  </a:solidFill>
+                  <a:latin typeface="Consolas" charset="0"/>
+                  <a:ea typeface="Consolas" charset="0"/>
+                  <a:cs typeface="Consolas" charset="0"/>
+                </a:rPr>
+                <a:t> </a:t>
+              </a:r>
+              <a:r>
+                <a:rPr lang="en-US" sz="1600" dirty="0" smtClean="0">
+                  <a:solidFill>
+                    <a:schemeClr val="accent2">
+                      <a:lumMod val="50000"/>
+                    </a:schemeClr>
+                  </a:solidFill>
+                  <a:latin typeface="Consolas" charset="0"/>
+                  <a:ea typeface="Consolas" charset="0"/>
+                  <a:cs typeface="Consolas" charset="0"/>
+                </a:rPr>
+                <a:t>(</a:t>
+              </a:r>
+              <a:r>
+                <a:rPr lang="en-US" sz="1600" b="1" dirty="0" smtClean="0">
+                  <a:solidFill>
+                    <a:schemeClr val="accent2">
+                      <a:lumMod val="50000"/>
+                    </a:schemeClr>
+                  </a:solidFill>
+                  <a:latin typeface="Consolas" charset="0"/>
+                  <a:ea typeface="Consolas" charset="0"/>
+                  <a:cs typeface="Consolas" charset="0"/>
+                </a:rPr>
+                <a:t>ref</a:t>
+              </a:r>
+              <a:r>
+                <a:rPr lang="en-US" sz="1600" dirty="0" smtClean="0">
+                  <a:solidFill>
+                    <a:schemeClr val="accent2">
+                      <a:lumMod val="50000"/>
+                    </a:schemeClr>
+                  </a:solidFill>
+                  <a:latin typeface="Consolas" charset="0"/>
+                  <a:ea typeface="Consolas" charset="0"/>
+                  <a:cs typeface="Consolas" charset="0"/>
+                </a:rPr>
+                <a:t> decimal </a:t>
+              </a:r>
+              <a:r>
+                <a:rPr lang="en-US" sz="1600" dirty="0">
+                  <a:solidFill>
+                    <a:schemeClr val="accent2">
+                      <a:lumMod val="50000"/>
+                    </a:schemeClr>
+                  </a:solidFill>
+                  <a:latin typeface="Consolas" charset="0"/>
+                  <a:ea typeface="Consolas" charset="0"/>
+                  <a:cs typeface="Consolas" charset="0"/>
+                </a:rPr>
+                <a:t>amount) </a:t>
+              </a:r>
+              <a:endParaRPr lang="en-US" sz="1600" dirty="0" smtClean="0">
                 <a:solidFill>
                   <a:schemeClr val="accent2">
                     <a:lumMod val="50000"/>
@@ -7563,13 +7965,107 @@
                 <a:latin typeface="Consolas" charset="0"/>
                 <a:ea typeface="Consolas" charset="0"/>
                 <a:cs typeface="Consolas" charset="0"/>
-              </a:rPr>
-              <a:t>{ ... </a:t>
-            </a:r>
-          </a:p>
-          <a:p>
-            <a:r>
-              <a:rPr lang="en-US" sz="1600" dirty="0" smtClean="0">
+              </a:endParaRPr>
+            </a:p>
+            <a:p>
+              <a:r>
+                <a:rPr lang="en-US" sz="1600" dirty="0">
+                  <a:solidFill>
+                    <a:schemeClr val="accent2">
+                      <a:lumMod val="50000"/>
+                    </a:schemeClr>
+                  </a:solidFill>
+                  <a:latin typeface="Consolas" charset="0"/>
+                  <a:ea typeface="Consolas" charset="0"/>
+                  <a:cs typeface="Consolas" charset="0"/>
+                </a:rPr>
+                <a:t>	</a:t>
+              </a:r>
+              <a:r>
+                <a:rPr lang="en-US" sz="1600" dirty="0" smtClean="0">
+                  <a:solidFill>
+                    <a:schemeClr val="accent2">
+                      <a:lumMod val="50000"/>
+                    </a:schemeClr>
+                  </a:solidFill>
+                  <a:latin typeface="Consolas" charset="0"/>
+                  <a:ea typeface="Consolas" charset="0"/>
+                  <a:cs typeface="Consolas" charset="0"/>
+                </a:rPr>
+                <a:t>{ </a:t>
+              </a:r>
+            </a:p>
+            <a:p>
+              <a:r>
+                <a:rPr lang="en-US" sz="1600" dirty="0">
+                  <a:solidFill>
+                    <a:schemeClr val="accent2">
+                      <a:lumMod val="50000"/>
+                    </a:schemeClr>
+                  </a:solidFill>
+                  <a:latin typeface="Consolas" charset="0"/>
+                  <a:ea typeface="Consolas" charset="0"/>
+                  <a:cs typeface="Consolas" charset="0"/>
+                </a:rPr>
+                <a:t>	</a:t>
+              </a:r>
+              <a:r>
+                <a:rPr lang="en-US" sz="1600" dirty="0" smtClean="0">
+                  <a:solidFill>
+                    <a:schemeClr val="accent2">
+                      <a:lumMod val="50000"/>
+                    </a:schemeClr>
+                  </a:solidFill>
+                  <a:latin typeface="Consolas" charset="0"/>
+                  <a:ea typeface="Consolas" charset="0"/>
+                  <a:cs typeface="Consolas" charset="0"/>
+                </a:rPr>
+                <a:t>	if </a:t>
+              </a:r>
+              <a:r>
+                <a:rPr lang="en-US" sz="1600" dirty="0">
+                  <a:solidFill>
+                    <a:schemeClr val="accent2">
+                      <a:lumMod val="50000"/>
+                    </a:schemeClr>
+                  </a:solidFill>
+                  <a:latin typeface="Consolas" charset="0"/>
+                  <a:ea typeface="Consolas" charset="0"/>
+                  <a:cs typeface="Consolas" charset="0"/>
+                </a:rPr>
+                <a:t>(amount &gt; 100) ... </a:t>
+              </a:r>
+            </a:p>
+            <a:p>
+              <a:r>
+                <a:rPr lang="en-US" sz="1600" dirty="0" smtClean="0">
+                  <a:solidFill>
+                    <a:schemeClr val="accent2">
+                      <a:lumMod val="50000"/>
+                    </a:schemeClr>
+                  </a:solidFill>
+                  <a:latin typeface="Consolas" charset="0"/>
+                  <a:ea typeface="Consolas" charset="0"/>
+                  <a:cs typeface="Consolas" charset="0"/>
+                </a:rPr>
+                <a:t>	} </a:t>
+              </a:r>
+            </a:p>
+            <a:p>
+              <a:r>
+                <a:rPr lang="en-US" sz="1600" dirty="0" smtClean="0">
+                  <a:solidFill>
+                    <a:schemeClr val="accent2">
+                      <a:lumMod val="50000"/>
+                    </a:schemeClr>
+                  </a:solidFill>
+                  <a:latin typeface="Consolas" charset="0"/>
+                  <a:ea typeface="Consolas" charset="0"/>
+                  <a:cs typeface="Consolas" charset="0"/>
+                </a:rPr>
+                <a:t>} </a:t>
+              </a:r>
+              <a:endParaRPr lang="en-US" sz="1600" dirty="0">
                 <a:solidFill>
                   <a:schemeClr val="accent2">
                     <a:lumMod val="50000"/>
@@ -7578,11 +8074,49 @@
                 <a:latin typeface="Consolas" charset="0"/>
                 <a:ea typeface="Consolas" charset="0"/>
                 <a:cs typeface="Consolas" charset="0"/>
-              </a:rPr>
-              <a:t>	partial </a:t>
-            </a:r>
-            <a:r>
-              <a:rPr lang="en-US" sz="1600" b="1" dirty="0" smtClean="0">
+              </a:endParaRPr>
+            </a:p>
+          </p:txBody>
+        </p:sp>
+        <p:sp>
+          <p:nvSpPr>
+            <p:cNvPr id="13" name="TextBox 12"/>
+            <p:cNvSpPr txBox="1"/>
+            <p:nvPr/>
+          </p:nvSpPr>
+          <p:spPr>
+            <a:xfrm>
+              <a:off x="7273637" y="2724087"/>
+              <a:ext cx="1641763" cy="338554"/>
+            </a:xfrm>
+            <a:prstGeom prst="rect">
+              <a:avLst/>
+            </a:prstGeom>
+            <a:noFill/>
+            <a:ln>
+              <a:noFill/>
+            </a:ln>
+          </p:spPr>
+          <p:txBody>
+            <a:bodyPr wrap="square" rtlCol="0">
+              <a:spAutoFit/>
+            </a:bodyPr>
+            <a:lstStyle/>
+            <a:p>
+              <a:r>
+                <a:rPr lang="en-US" sz="1600" b="1" smtClean="0">
+                  <a:solidFill>
+                    <a:schemeClr val="accent2">
+                      <a:lumMod val="50000"/>
+                    </a:schemeClr>
+                  </a:solidFill>
+                  <a:latin typeface="Consolas" charset="0"/>
+                  <a:ea typeface="Consolas" charset="0"/>
+                  <a:cs typeface="Consolas" charset="0"/>
+                </a:rPr>
+                <a:t>definition</a:t>
+              </a:r>
+              <a:endParaRPr lang="en-US" sz="1600" b="1" dirty="0">
                 <a:solidFill>
                   <a:schemeClr val="accent2">
                     <a:lumMod val="50000"/>
@@ -7591,142 +8125,91 @@
                 <a:latin typeface="Consolas" charset="0"/>
                 <a:ea typeface="Consolas" charset="0"/>
                 <a:cs typeface="Consolas" charset="0"/>
-              </a:rPr>
-              <a:t>void</a:t>
-            </a:r>
-            <a:r>
-              <a:rPr lang="en-US" sz="1600" dirty="0" smtClean="0">
-                <a:solidFill>
-                  <a:schemeClr val="accent2">
-                    <a:lumMod val="50000"/>
-                  </a:schemeClr>
-                </a:solidFill>
-                <a:latin typeface="Consolas" charset="0"/>
-                <a:ea typeface="Consolas" charset="0"/>
-                <a:cs typeface="Consolas" charset="0"/>
-              </a:rPr>
-              <a:t> </a:t>
-            </a:r>
-            <a:r>
-              <a:rPr lang="en-US" sz="1600" dirty="0" err="1" smtClean="0">
-                <a:solidFill>
-                  <a:schemeClr val="accent2">
-                    <a:lumMod val="50000"/>
-                  </a:schemeClr>
-                </a:solidFill>
-                <a:latin typeface="Consolas" charset="0"/>
-                <a:ea typeface="Consolas" charset="0"/>
-                <a:cs typeface="Consolas" charset="0"/>
-              </a:rPr>
-              <a:t>ValidatePayment</a:t>
-            </a:r>
-            <a:r>
-              <a:rPr lang="en-US" sz="1600" dirty="0" smtClean="0">
-                <a:solidFill>
-                  <a:schemeClr val="accent2">
-                    <a:lumMod val="50000"/>
-                  </a:schemeClr>
-                </a:solidFill>
-                <a:latin typeface="Consolas" charset="0"/>
-                <a:ea typeface="Consolas" charset="0"/>
-                <a:cs typeface="Consolas" charset="0"/>
-              </a:rPr>
-              <a:t> (</a:t>
-            </a:r>
-            <a:r>
-              <a:rPr lang="en-US" sz="1600" b="1" dirty="0" smtClean="0">
-                <a:solidFill>
-                  <a:schemeClr val="accent2">
-                    <a:lumMod val="50000"/>
-                  </a:schemeClr>
-                </a:solidFill>
-                <a:latin typeface="Consolas" charset="0"/>
-                <a:ea typeface="Consolas" charset="0"/>
-                <a:cs typeface="Consolas" charset="0"/>
-              </a:rPr>
-              <a:t>ref</a:t>
-            </a:r>
-            <a:r>
-              <a:rPr lang="en-US" sz="1600" dirty="0" smtClean="0">
-                <a:solidFill>
-                  <a:schemeClr val="accent2">
-                    <a:lumMod val="50000"/>
-                  </a:schemeClr>
-                </a:solidFill>
-                <a:latin typeface="Consolas" charset="0"/>
-                <a:ea typeface="Consolas" charset="0"/>
-                <a:cs typeface="Consolas" charset="0"/>
-              </a:rPr>
-              <a:t> decimal amount); </a:t>
-            </a:r>
-          </a:p>
-          <a:p>
-            <a:r>
-              <a:rPr lang="en-US" sz="1600" dirty="0" smtClean="0">
-                <a:solidFill>
-                  <a:schemeClr val="accent2">
-                    <a:lumMod val="50000"/>
-                  </a:schemeClr>
-                </a:solidFill>
-                <a:latin typeface="Consolas" charset="0"/>
-                <a:ea typeface="Consolas" charset="0"/>
-                <a:cs typeface="Consolas" charset="0"/>
-              </a:rPr>
-              <a:t>} </a:t>
-            </a:r>
-            <a:endParaRPr lang="en-US" sz="1600" dirty="0">
+              </a:endParaRPr>
+            </a:p>
+          </p:txBody>
+        </p:sp>
+        <p:cxnSp>
+          <p:nvCxnSpPr>
+            <p:cNvPr id="15" name="Straight Arrow Connector 14"/>
+            <p:cNvCxnSpPr>
+              <a:stCxn id="13" idx="1"/>
+            </p:cNvCxnSpPr>
+            <p:nvPr/>
+          </p:nvCxnSpPr>
+          <p:spPr>
+            <a:xfrm flipH="1" flipV="1">
+              <a:off x="4267201" y="2752757"/>
+              <a:ext cx="3006436" cy="140607"/>
+            </a:xfrm>
+            <a:prstGeom prst="straightConnector1">
+              <a:avLst/>
+            </a:prstGeom>
+            <a:ln w="28575">
               <a:solidFill>
                 <a:schemeClr val="accent2">
                   <a:lumMod val="50000"/>
                 </a:schemeClr>
               </a:solidFill>
-              <a:latin typeface="Consolas" charset="0"/>
-              <a:ea typeface="Consolas" charset="0"/>
-              <a:cs typeface="Consolas" charset="0"/>
-            </a:endParaRPr>
-          </a:p>
-        </p:txBody>
-      </p:sp>
-      <p:sp>
-        <p:nvSpPr>
-          <p:cNvPr id="14" name="Flowchart: Document 13"/>
-          <p:cNvSpPr/>
-          <p:nvPr/>
-        </p:nvSpPr>
-        <p:spPr>
-          <a:xfrm>
-            <a:off x="228600" y="3276600"/>
-            <a:ext cx="8686800" cy="2895600"/>
-          </a:xfrm>
-          <a:prstGeom prst="flowChartDocument">
-            <a:avLst/>
-          </a:prstGeom>
-          <a:noFill/>
-          <a:ln>
+              <a:prstDash val="sysDot"/>
+              <a:tailEnd type="arrow"/>
+            </a:ln>
+            <a:effectLst/>
+          </p:spPr>
+          <p:style>
+            <a:lnRef idx="2">
+              <a:schemeClr val="accent1"/>
+            </a:lnRef>
+            <a:fillRef idx="0">
+              <a:schemeClr val="accent1"/>
+            </a:fillRef>
+            <a:effectRef idx="1">
+              <a:schemeClr val="accent1"/>
+            </a:effectRef>
+            <a:fontRef idx="minor">
+              <a:schemeClr val="tx1"/>
+            </a:fontRef>
+          </p:style>
+        </p:cxnSp>
+        <p:sp>
+          <p:nvSpPr>
+            <p:cNvPr id="18" name="TextBox 17"/>
+            <p:cNvSpPr txBox="1"/>
+            <p:nvPr/>
+          </p:nvSpPr>
+          <p:spPr>
+            <a:xfrm>
+              <a:off x="6781800" y="4998423"/>
+              <a:ext cx="2251363" cy="338554"/>
+            </a:xfrm>
+            <a:prstGeom prst="rect">
+              <a:avLst/>
+            </a:prstGeom>
             <a:noFill/>
-          </a:ln>
-          <a:effectLst/>
-        </p:spPr>
-        <p:style>
-          <a:lnRef idx="2">
-            <a:schemeClr val="accent1"/>
-          </a:lnRef>
-          <a:fillRef idx="1">
-            <a:schemeClr val="lt1"/>
-          </a:fillRef>
-          <a:effectRef idx="0">
-            <a:schemeClr val="accent1"/>
-          </a:effectRef>
-          <a:fontRef idx="minor">
-            <a:schemeClr val="dk1"/>
-          </a:fontRef>
-        </p:style>
-        <p:txBody>
-          <a:bodyPr lIns="117416" tIns="58707" rIns="117416" bIns="58707" rtlCol="0" anchor="ctr"/>
-          <a:lstStyle/>
-          <a:p>
-            <a:r>
-              <a:rPr lang="en-US" sz="1600" dirty="0">
+            <a:ln>
+              <a:noFill/>
+            </a:ln>
+          </p:spPr>
+          <p:txBody>
+            <a:bodyPr wrap="square" rtlCol="0">
+              <a:spAutoFit/>
+            </a:bodyPr>
+            <a:lstStyle/>
+            <a:p>
+              <a:r>
+                <a:rPr lang="en-US" sz="1600" b="1" dirty="0" smtClean="0">
+                  <a:solidFill>
+                    <a:schemeClr val="accent2">
+                      <a:lumMod val="50000"/>
+                    </a:schemeClr>
+                  </a:solidFill>
+                  <a:latin typeface="Consolas" charset="0"/>
+                  <a:ea typeface="Consolas" charset="0"/>
+                  <a:cs typeface="Consolas" charset="0"/>
+                </a:rPr>
+                <a:t>implementation</a:t>
+              </a:r>
+              <a:endParaRPr lang="en-US" sz="1600" b="1" dirty="0">
                 <a:solidFill>
                   <a:schemeClr val="accent2">
                     <a:lumMod val="50000"/>
@@ -7735,49 +8218,91 @@
                 <a:latin typeface="Consolas" charset="0"/>
                 <a:ea typeface="Consolas" charset="0"/>
                 <a:cs typeface="Consolas" charset="0"/>
-              </a:rPr>
-              <a:t>partial class </a:t>
-            </a:r>
-            <a:r>
-              <a:rPr lang="en-US" sz="1600" dirty="0" err="1">
-                <a:solidFill>
-                  <a:schemeClr val="accent2">
-                    <a:lumMod val="50000"/>
-                  </a:schemeClr>
-                </a:solidFill>
-                <a:latin typeface="Consolas" charset="0"/>
-                <a:ea typeface="Consolas" charset="0"/>
-                <a:cs typeface="Consolas" charset="0"/>
-              </a:rPr>
-              <a:t>PaymentForm</a:t>
-            </a:r>
-            <a:r>
-              <a:rPr lang="en-US" sz="1600" dirty="0">
-                <a:solidFill>
-                  <a:schemeClr val="accent2">
-                    <a:lumMod val="50000"/>
-                  </a:schemeClr>
-                </a:solidFill>
-                <a:latin typeface="Consolas" charset="0"/>
-                <a:ea typeface="Consolas" charset="0"/>
-                <a:cs typeface="Consolas" charset="0"/>
-              </a:rPr>
-              <a:t> // In hand-authored file </a:t>
-            </a:r>
-            <a:endParaRPr lang="en-US" sz="1600" dirty="0" smtClean="0">
+              </a:endParaRPr>
+            </a:p>
+          </p:txBody>
+        </p:sp>
+        <p:cxnSp>
+          <p:nvCxnSpPr>
+            <p:cNvPr id="19" name="Straight Arrow Connector 18"/>
+            <p:cNvCxnSpPr>
+              <a:stCxn id="18" idx="1"/>
+            </p:cNvCxnSpPr>
+            <p:nvPr/>
+          </p:nvCxnSpPr>
+          <p:spPr>
+            <a:xfrm flipH="1" flipV="1">
+              <a:off x="4495802" y="4445911"/>
+              <a:ext cx="2285998" cy="721789"/>
+            </a:xfrm>
+            <a:prstGeom prst="straightConnector1">
+              <a:avLst/>
+            </a:prstGeom>
+            <a:ln w="28575">
               <a:solidFill>
                 <a:schemeClr val="accent2">
                   <a:lumMod val="50000"/>
                 </a:schemeClr>
               </a:solidFill>
-              <a:latin typeface="Consolas" charset="0"/>
-              <a:ea typeface="Consolas" charset="0"/>
-              <a:cs typeface="Consolas" charset="0"/>
-            </a:endParaRPr>
-          </a:p>
-          <a:p>
-            <a:r>
-              <a:rPr lang="en-US" sz="1600" dirty="0" smtClean="0">
+              <a:prstDash val="sysDot"/>
+              <a:tailEnd type="arrow"/>
+            </a:ln>
+            <a:effectLst/>
+          </p:spPr>
+          <p:style>
+            <a:lnRef idx="2">
+              <a:schemeClr val="accent1"/>
+            </a:lnRef>
+            <a:fillRef idx="0">
+              <a:schemeClr val="accent1"/>
+            </a:fillRef>
+            <a:effectRef idx="1">
+              <a:schemeClr val="accent1"/>
+            </a:effectRef>
+            <a:fontRef idx="minor">
+              <a:schemeClr val="tx1"/>
+            </a:fontRef>
+          </p:style>
+        </p:cxnSp>
+        <p:sp>
+          <p:nvSpPr>
+            <p:cNvPr id="20" name="Rectangle 19"/>
+            <p:cNvSpPr/>
+            <p:nvPr/>
+          </p:nvSpPr>
+          <p:spPr>
+            <a:xfrm>
+              <a:off x="2286000" y="5486400"/>
+              <a:ext cx="2204450" cy="338554"/>
+            </a:xfrm>
+            <a:prstGeom prst="rect">
+              <a:avLst/>
+            </a:prstGeom>
+            <a:noFill/>
+            <a:ln>
+              <a:noFill/>
+            </a:ln>
+          </p:spPr>
+          <p:txBody>
+            <a:bodyPr wrap="none">
+              <a:spAutoFit/>
+            </a:bodyPr>
+            <a:lstStyle/>
+            <a:p>
+              <a:r>
+                <a:rPr lang="en-US" sz="1600" b="1" dirty="0" smtClean="0">
+                  <a:solidFill>
+                    <a:schemeClr val="accent2">
+                      <a:lumMod val="50000"/>
+                    </a:schemeClr>
+                  </a:solidFill>
+                  <a:latin typeface="Consolas" charset="0"/>
+                  <a:ea typeface="Consolas" charset="0"/>
+                  <a:cs typeface="Consolas" charset="0"/>
+                </a:rPr>
+                <a:t>Implicitly private</a:t>
+              </a:r>
+              <a:endParaRPr lang="en-US" sz="1600" dirty="0">
                 <a:solidFill>
                   <a:schemeClr val="accent2">
                     <a:lumMod val="50000"/>
@@ -7786,563 +8311,51 @@
                 <a:latin typeface="Consolas" charset="0"/>
                 <a:ea typeface="Consolas" charset="0"/>
                 <a:cs typeface="Consolas" charset="0"/>
-              </a:rPr>
-              <a:t>{ </a:t>
-            </a:r>
-            <a:r>
-              <a:rPr lang="en-US" sz="1600" dirty="0">
-                <a:solidFill>
-                  <a:schemeClr val="accent2">
-                    <a:lumMod val="50000"/>
-                  </a:schemeClr>
-                </a:solidFill>
-                <a:latin typeface="Consolas" charset="0"/>
-                <a:ea typeface="Consolas" charset="0"/>
-                <a:cs typeface="Consolas" charset="0"/>
-              </a:rPr>
-              <a:t>... </a:t>
-            </a:r>
-            <a:endParaRPr lang="en-US" sz="1600" dirty="0" smtClean="0">
+              </a:endParaRPr>
+            </a:p>
+          </p:txBody>
+        </p:sp>
+        <p:cxnSp>
+          <p:nvCxnSpPr>
+            <p:cNvPr id="22" name="Straight Arrow Connector 21"/>
+            <p:cNvCxnSpPr/>
+            <p:nvPr/>
+          </p:nvCxnSpPr>
+          <p:spPr>
+            <a:xfrm flipH="1" flipV="1">
+              <a:off x="2133601" y="4261244"/>
+              <a:ext cx="1034211" cy="1225156"/>
+            </a:xfrm>
+            <a:prstGeom prst="straightConnector1">
+              <a:avLst/>
+            </a:prstGeom>
+            <a:ln w="28575">
               <a:solidFill>
                 <a:schemeClr val="accent2">
                   <a:lumMod val="50000"/>
                 </a:schemeClr>
               </a:solidFill>
-              <a:latin typeface="Consolas" charset="0"/>
-              <a:ea typeface="Consolas" charset="0"/>
-              <a:cs typeface="Consolas" charset="0"/>
-            </a:endParaRPr>
-          </a:p>
-          <a:p>
-            <a:r>
-              <a:rPr lang="en-US" sz="1600" dirty="0">
-                <a:solidFill>
-                  <a:schemeClr val="accent2">
-                    <a:lumMod val="50000"/>
-                  </a:schemeClr>
-                </a:solidFill>
-                <a:latin typeface="Consolas" charset="0"/>
-                <a:ea typeface="Consolas" charset="0"/>
-                <a:cs typeface="Consolas" charset="0"/>
-              </a:rPr>
-              <a:t>	</a:t>
-            </a:r>
-            <a:r>
-              <a:rPr lang="en-US" sz="1600" dirty="0" smtClean="0">
-                <a:solidFill>
-                  <a:schemeClr val="accent2">
-                    <a:lumMod val="50000"/>
-                  </a:schemeClr>
-                </a:solidFill>
-                <a:latin typeface="Consolas" charset="0"/>
-                <a:ea typeface="Consolas" charset="0"/>
-                <a:cs typeface="Consolas" charset="0"/>
-              </a:rPr>
-              <a:t>partial </a:t>
-            </a:r>
-            <a:r>
-              <a:rPr lang="en-US" sz="1600" b="1" dirty="0">
-                <a:solidFill>
-                  <a:schemeClr val="accent2">
-                    <a:lumMod val="50000"/>
-                  </a:schemeClr>
-                </a:solidFill>
-                <a:latin typeface="Consolas" charset="0"/>
-                <a:ea typeface="Consolas" charset="0"/>
-                <a:cs typeface="Consolas" charset="0"/>
-              </a:rPr>
-              <a:t>void</a:t>
-            </a:r>
-            <a:r>
-              <a:rPr lang="en-US" sz="1600" dirty="0">
-                <a:solidFill>
-                  <a:schemeClr val="accent2">
-                    <a:lumMod val="50000"/>
-                  </a:schemeClr>
-                </a:solidFill>
-                <a:latin typeface="Consolas" charset="0"/>
-                <a:ea typeface="Consolas" charset="0"/>
-                <a:cs typeface="Consolas" charset="0"/>
-              </a:rPr>
-              <a:t> </a:t>
-            </a:r>
-            <a:r>
-              <a:rPr lang="en-US" sz="1600" dirty="0" err="1">
-                <a:solidFill>
-                  <a:schemeClr val="accent2">
-                    <a:lumMod val="50000"/>
-                  </a:schemeClr>
-                </a:solidFill>
-                <a:latin typeface="Consolas" charset="0"/>
-                <a:ea typeface="Consolas" charset="0"/>
-                <a:cs typeface="Consolas" charset="0"/>
-              </a:rPr>
-              <a:t>ValidatePayment</a:t>
-            </a:r>
-            <a:r>
-              <a:rPr lang="en-US" sz="1600" dirty="0">
-                <a:solidFill>
-                  <a:schemeClr val="accent2">
-                    <a:lumMod val="50000"/>
-                  </a:schemeClr>
-                </a:solidFill>
-                <a:latin typeface="Consolas" charset="0"/>
-                <a:ea typeface="Consolas" charset="0"/>
-                <a:cs typeface="Consolas" charset="0"/>
-              </a:rPr>
-              <a:t> </a:t>
-            </a:r>
-            <a:r>
-              <a:rPr lang="en-US" sz="1600" dirty="0" smtClean="0">
-                <a:solidFill>
-                  <a:schemeClr val="accent2">
-                    <a:lumMod val="50000"/>
-                  </a:schemeClr>
-                </a:solidFill>
-                <a:latin typeface="Consolas" charset="0"/>
-                <a:ea typeface="Consolas" charset="0"/>
-                <a:cs typeface="Consolas" charset="0"/>
-              </a:rPr>
-              <a:t>(</a:t>
-            </a:r>
-            <a:r>
-              <a:rPr lang="en-US" sz="1600" b="1" dirty="0" smtClean="0">
-                <a:solidFill>
-                  <a:schemeClr val="accent2">
-                    <a:lumMod val="50000"/>
-                  </a:schemeClr>
-                </a:solidFill>
-                <a:latin typeface="Consolas" charset="0"/>
-                <a:ea typeface="Consolas" charset="0"/>
-                <a:cs typeface="Consolas" charset="0"/>
-              </a:rPr>
-              <a:t>ref</a:t>
-            </a:r>
-            <a:r>
-              <a:rPr lang="en-US" sz="1600" dirty="0" smtClean="0">
-                <a:solidFill>
-                  <a:schemeClr val="accent2">
-                    <a:lumMod val="50000"/>
-                  </a:schemeClr>
-                </a:solidFill>
-                <a:latin typeface="Consolas" charset="0"/>
-                <a:ea typeface="Consolas" charset="0"/>
-                <a:cs typeface="Consolas" charset="0"/>
-              </a:rPr>
-              <a:t> decimal </a:t>
-            </a:r>
-            <a:r>
-              <a:rPr lang="en-US" sz="1600" dirty="0">
-                <a:solidFill>
-                  <a:schemeClr val="accent2">
-                    <a:lumMod val="50000"/>
-                  </a:schemeClr>
-                </a:solidFill>
-                <a:latin typeface="Consolas" charset="0"/>
-                <a:ea typeface="Consolas" charset="0"/>
-                <a:cs typeface="Consolas" charset="0"/>
-              </a:rPr>
-              <a:t>amount) </a:t>
-            </a:r>
-            <a:endParaRPr lang="en-US" sz="1600" dirty="0" smtClean="0">
-              <a:solidFill>
-                <a:schemeClr val="accent2">
-                  <a:lumMod val="50000"/>
-                </a:schemeClr>
-              </a:solidFill>
-              <a:latin typeface="Consolas" charset="0"/>
-              <a:ea typeface="Consolas" charset="0"/>
-              <a:cs typeface="Consolas" charset="0"/>
-            </a:endParaRPr>
-          </a:p>
-          <a:p>
-            <a:r>
-              <a:rPr lang="en-US" sz="1600" dirty="0">
-                <a:solidFill>
-                  <a:schemeClr val="accent2">
-                    <a:lumMod val="50000"/>
-                  </a:schemeClr>
-                </a:solidFill>
-                <a:latin typeface="Consolas" charset="0"/>
-                <a:ea typeface="Consolas" charset="0"/>
-                <a:cs typeface="Consolas" charset="0"/>
-              </a:rPr>
-              <a:t>	</a:t>
-            </a:r>
-            <a:r>
-              <a:rPr lang="en-US" sz="1600" dirty="0" smtClean="0">
-                <a:solidFill>
-                  <a:schemeClr val="accent2">
-                    <a:lumMod val="50000"/>
-                  </a:schemeClr>
-                </a:solidFill>
-                <a:latin typeface="Consolas" charset="0"/>
-                <a:ea typeface="Consolas" charset="0"/>
-                <a:cs typeface="Consolas" charset="0"/>
-              </a:rPr>
-              <a:t>{ </a:t>
-            </a:r>
-          </a:p>
-          <a:p>
-            <a:r>
-              <a:rPr lang="en-US" sz="1600" dirty="0">
-                <a:solidFill>
-                  <a:schemeClr val="accent2">
-                    <a:lumMod val="50000"/>
-                  </a:schemeClr>
-                </a:solidFill>
-                <a:latin typeface="Consolas" charset="0"/>
-                <a:ea typeface="Consolas" charset="0"/>
-                <a:cs typeface="Consolas" charset="0"/>
-              </a:rPr>
-              <a:t>	</a:t>
-            </a:r>
-            <a:r>
-              <a:rPr lang="en-US" sz="1600" dirty="0" smtClean="0">
-                <a:solidFill>
-                  <a:schemeClr val="accent2">
-                    <a:lumMod val="50000"/>
-                  </a:schemeClr>
-                </a:solidFill>
-                <a:latin typeface="Consolas" charset="0"/>
-                <a:ea typeface="Consolas" charset="0"/>
-                <a:cs typeface="Consolas" charset="0"/>
-              </a:rPr>
-              <a:t>	if </a:t>
-            </a:r>
-            <a:r>
-              <a:rPr lang="en-US" sz="1600" dirty="0">
-                <a:solidFill>
-                  <a:schemeClr val="accent2">
-                    <a:lumMod val="50000"/>
-                  </a:schemeClr>
-                </a:solidFill>
-                <a:latin typeface="Consolas" charset="0"/>
-                <a:ea typeface="Consolas" charset="0"/>
-                <a:cs typeface="Consolas" charset="0"/>
-              </a:rPr>
-              <a:t>(amount &gt; 100) ... </a:t>
-            </a:r>
-          </a:p>
-          <a:p>
-            <a:r>
-              <a:rPr lang="en-US" sz="1600" dirty="0" smtClean="0">
-                <a:solidFill>
-                  <a:schemeClr val="accent2">
-                    <a:lumMod val="50000"/>
-                  </a:schemeClr>
-                </a:solidFill>
-                <a:latin typeface="Consolas" charset="0"/>
-                <a:ea typeface="Consolas" charset="0"/>
-                <a:cs typeface="Consolas" charset="0"/>
-              </a:rPr>
-              <a:t>	} </a:t>
-            </a:r>
-          </a:p>
-          <a:p>
-            <a:r>
-              <a:rPr lang="en-US" sz="1600" dirty="0" smtClean="0">
-                <a:solidFill>
-                  <a:schemeClr val="accent2">
-                    <a:lumMod val="50000"/>
-                  </a:schemeClr>
-                </a:solidFill>
-                <a:latin typeface="Consolas" charset="0"/>
-                <a:ea typeface="Consolas" charset="0"/>
-                <a:cs typeface="Consolas" charset="0"/>
-              </a:rPr>
-              <a:t>} </a:t>
-            </a:r>
-            <a:endParaRPr lang="en-US" sz="1600" dirty="0">
-              <a:solidFill>
-                <a:schemeClr val="accent2">
-                  <a:lumMod val="50000"/>
-                </a:schemeClr>
-              </a:solidFill>
-              <a:latin typeface="Consolas" charset="0"/>
-              <a:ea typeface="Consolas" charset="0"/>
-              <a:cs typeface="Consolas" charset="0"/>
-            </a:endParaRPr>
-          </a:p>
-        </p:txBody>
-      </p:sp>
-      <p:sp>
-        <p:nvSpPr>
-          <p:cNvPr id="13" name="TextBox 12"/>
-          <p:cNvSpPr txBox="1"/>
-          <p:nvPr/>
-        </p:nvSpPr>
-        <p:spPr>
-          <a:xfrm>
-            <a:off x="7273637" y="2724087"/>
-            <a:ext cx="1641763" cy="338554"/>
-          </a:xfrm>
-          <a:prstGeom prst="rect">
-            <a:avLst/>
-          </a:prstGeom>
-          <a:noFill/>
-          <a:ln>
-            <a:noFill/>
-          </a:ln>
-        </p:spPr>
-        <p:txBody>
-          <a:bodyPr wrap="square" rtlCol="0">
-            <a:spAutoFit/>
-          </a:bodyPr>
-          <a:lstStyle/>
-          <a:p>
-            <a:r>
-              <a:rPr lang="en-US" sz="1600" b="1" smtClean="0">
-                <a:solidFill>
-                  <a:schemeClr val="accent2">
-                    <a:lumMod val="50000"/>
-                  </a:schemeClr>
-                </a:solidFill>
-                <a:latin typeface="Consolas" charset="0"/>
-                <a:ea typeface="Consolas" charset="0"/>
-                <a:cs typeface="Consolas" charset="0"/>
-              </a:rPr>
-              <a:t>definition</a:t>
-            </a:r>
-            <a:endParaRPr lang="en-US" sz="1600" b="1" dirty="0">
-              <a:solidFill>
-                <a:schemeClr val="accent2">
-                  <a:lumMod val="50000"/>
-                </a:schemeClr>
-              </a:solidFill>
-              <a:latin typeface="Consolas" charset="0"/>
-              <a:ea typeface="Consolas" charset="0"/>
-              <a:cs typeface="Consolas" charset="0"/>
-            </a:endParaRPr>
-          </a:p>
-        </p:txBody>
-      </p:sp>
-      <p:cxnSp>
-        <p:nvCxnSpPr>
-          <p:cNvPr id="15" name="Straight Arrow Connector 14"/>
-          <p:cNvCxnSpPr>
-            <a:stCxn id="13" idx="1"/>
-          </p:cNvCxnSpPr>
-          <p:nvPr/>
-        </p:nvCxnSpPr>
-        <p:spPr>
-          <a:xfrm flipH="1" flipV="1">
-            <a:off x="4267201" y="2752757"/>
-            <a:ext cx="3006436" cy="140607"/>
-          </a:xfrm>
-          <a:prstGeom prst="straightConnector1">
-            <a:avLst/>
-          </a:prstGeom>
-          <a:ln w="28575">
-            <a:solidFill>
-              <a:schemeClr val="accent2">
-                <a:lumMod val="50000"/>
-              </a:schemeClr>
-            </a:solidFill>
-            <a:prstDash val="sysDot"/>
-            <a:tailEnd type="arrow"/>
-          </a:ln>
-          <a:effectLst/>
-        </p:spPr>
-        <p:style>
-          <a:lnRef idx="2">
-            <a:schemeClr val="accent1"/>
-          </a:lnRef>
-          <a:fillRef idx="0">
-            <a:schemeClr val="accent1"/>
-          </a:fillRef>
-          <a:effectRef idx="1">
-            <a:schemeClr val="accent1"/>
-          </a:effectRef>
-          <a:fontRef idx="minor">
-            <a:schemeClr val="tx1"/>
-          </a:fontRef>
-        </p:style>
-      </p:cxnSp>
-      <p:sp>
-        <p:nvSpPr>
-          <p:cNvPr id="18" name="TextBox 17"/>
-          <p:cNvSpPr txBox="1"/>
-          <p:nvPr/>
-        </p:nvSpPr>
-        <p:spPr>
-          <a:xfrm>
-            <a:off x="6781800" y="4998423"/>
-            <a:ext cx="2251363" cy="338554"/>
-          </a:xfrm>
-          <a:prstGeom prst="rect">
-            <a:avLst/>
-          </a:prstGeom>
-          <a:noFill/>
-          <a:ln>
-            <a:noFill/>
-          </a:ln>
-        </p:spPr>
-        <p:txBody>
-          <a:bodyPr wrap="square" rtlCol="0">
-            <a:spAutoFit/>
-          </a:bodyPr>
-          <a:lstStyle/>
-          <a:p>
-            <a:r>
-              <a:rPr lang="en-US" sz="1600" b="1" dirty="0" smtClean="0">
-                <a:solidFill>
-                  <a:schemeClr val="accent2">
-                    <a:lumMod val="50000"/>
-                  </a:schemeClr>
-                </a:solidFill>
-                <a:latin typeface="Consolas" charset="0"/>
-                <a:ea typeface="Consolas" charset="0"/>
-                <a:cs typeface="Consolas" charset="0"/>
-              </a:rPr>
-              <a:t>implementation</a:t>
-            </a:r>
-            <a:endParaRPr lang="en-US" sz="1600" b="1" dirty="0">
-              <a:solidFill>
-                <a:schemeClr val="accent2">
-                  <a:lumMod val="50000"/>
-                </a:schemeClr>
-              </a:solidFill>
-              <a:latin typeface="Consolas" charset="0"/>
-              <a:ea typeface="Consolas" charset="0"/>
-              <a:cs typeface="Consolas" charset="0"/>
-            </a:endParaRPr>
-          </a:p>
-        </p:txBody>
-      </p:sp>
-      <p:cxnSp>
-        <p:nvCxnSpPr>
-          <p:cNvPr id="19" name="Straight Arrow Connector 18"/>
-          <p:cNvCxnSpPr>
-            <a:stCxn id="18" idx="1"/>
-          </p:cNvCxnSpPr>
-          <p:nvPr/>
-        </p:nvCxnSpPr>
-        <p:spPr>
-          <a:xfrm flipH="1" flipV="1">
-            <a:off x="4495802" y="4445911"/>
-            <a:ext cx="2285998" cy="721789"/>
-          </a:xfrm>
-          <a:prstGeom prst="straightConnector1">
-            <a:avLst/>
-          </a:prstGeom>
-          <a:ln w="28575">
-            <a:solidFill>
-              <a:schemeClr val="accent2">
-                <a:lumMod val="50000"/>
-              </a:schemeClr>
-            </a:solidFill>
-            <a:prstDash val="sysDot"/>
-            <a:tailEnd type="arrow"/>
-          </a:ln>
-          <a:effectLst/>
-        </p:spPr>
-        <p:style>
-          <a:lnRef idx="2">
-            <a:schemeClr val="accent1"/>
-          </a:lnRef>
-          <a:fillRef idx="0">
-            <a:schemeClr val="accent1"/>
-          </a:fillRef>
-          <a:effectRef idx="1">
-            <a:schemeClr val="accent1"/>
-          </a:effectRef>
-          <a:fontRef idx="minor">
-            <a:schemeClr val="tx1"/>
-          </a:fontRef>
-        </p:style>
-      </p:cxnSp>
-      <p:sp>
-        <p:nvSpPr>
-          <p:cNvPr id="20" name="Rectangle 19"/>
-          <p:cNvSpPr/>
-          <p:nvPr/>
-        </p:nvSpPr>
-        <p:spPr>
-          <a:xfrm>
-            <a:off x="2286000" y="5486400"/>
-            <a:ext cx="2204450" cy="338554"/>
-          </a:xfrm>
-          <a:prstGeom prst="rect">
-            <a:avLst/>
-          </a:prstGeom>
-          <a:noFill/>
-          <a:ln>
-            <a:noFill/>
-          </a:ln>
-        </p:spPr>
-        <p:txBody>
-          <a:bodyPr wrap="none">
-            <a:spAutoFit/>
-          </a:bodyPr>
-          <a:lstStyle/>
-          <a:p>
-            <a:r>
-              <a:rPr lang="en-US" sz="1600" b="1" dirty="0" smtClean="0">
-                <a:solidFill>
-                  <a:schemeClr val="accent2">
-                    <a:lumMod val="50000"/>
-                  </a:schemeClr>
-                </a:solidFill>
-                <a:latin typeface="Consolas" charset="0"/>
-                <a:ea typeface="Consolas" charset="0"/>
-                <a:cs typeface="Consolas" charset="0"/>
-              </a:rPr>
-              <a:t>Implicitly private</a:t>
-            </a:r>
-            <a:endParaRPr lang="en-US" sz="1600" dirty="0">
-              <a:solidFill>
-                <a:schemeClr val="accent2">
-                  <a:lumMod val="50000"/>
-                </a:schemeClr>
-              </a:solidFill>
-              <a:latin typeface="Consolas" charset="0"/>
-              <a:ea typeface="Consolas" charset="0"/>
-              <a:cs typeface="Consolas" charset="0"/>
-            </a:endParaRPr>
-          </a:p>
-        </p:txBody>
-      </p:sp>
-      <p:cxnSp>
-        <p:nvCxnSpPr>
-          <p:cNvPr id="22" name="Straight Arrow Connector 21"/>
-          <p:cNvCxnSpPr/>
-          <p:nvPr/>
-        </p:nvCxnSpPr>
-        <p:spPr>
-          <a:xfrm flipH="1" flipV="1">
-            <a:off x="2133601" y="4261244"/>
-            <a:ext cx="1034211" cy="1225156"/>
-          </a:xfrm>
-          <a:prstGeom prst="straightConnector1">
-            <a:avLst/>
-          </a:prstGeom>
-          <a:ln w="28575">
-            <a:solidFill>
-              <a:schemeClr val="accent2">
-                <a:lumMod val="50000"/>
-              </a:schemeClr>
-            </a:solidFill>
-            <a:prstDash val="sysDot"/>
-            <a:tailEnd type="arrow"/>
-          </a:ln>
-          <a:effectLst/>
-        </p:spPr>
-        <p:style>
-          <a:lnRef idx="2">
-            <a:schemeClr val="accent1"/>
-          </a:lnRef>
-          <a:fillRef idx="0">
-            <a:schemeClr val="accent1"/>
-          </a:fillRef>
-          <a:effectRef idx="1">
-            <a:schemeClr val="accent1"/>
-          </a:effectRef>
-          <a:fontRef idx="minor">
-            <a:schemeClr val="tx1"/>
-          </a:fontRef>
-        </p:style>
-      </p:cxnSp>
+              <a:prstDash val="sysDot"/>
+              <a:tailEnd type="arrow"/>
+            </a:ln>
+            <a:effectLst/>
+          </p:spPr>
+          <p:style>
+            <a:lnRef idx="2">
+              <a:schemeClr val="accent1"/>
+            </a:lnRef>
+            <a:fillRef idx="0">
+              <a:schemeClr val="accent1"/>
+            </a:fillRef>
+            <a:effectRef idx="1">
+              <a:schemeClr val="accent1"/>
+            </a:effectRef>
+            <a:fontRef idx="minor">
+              <a:schemeClr val="tx1"/>
+            </a:fontRef>
+          </p:style>
+        </p:cxnSp>
+      </p:grpSp>
     </p:spTree>
     <p:extLst>
       <p:ext uri="{BB962C8B-B14F-4D97-AF65-F5344CB8AC3E}">
@@ -8408,531 +8421,546 @@
           </a:p>
         </p:txBody>
       </p:sp>
-      <p:sp>
-        <p:nvSpPr>
-          <p:cNvPr id="6" name="Rounded Rectangle 5"/>
-          <p:cNvSpPr/>
+      <p:grpSp>
+        <p:nvGrpSpPr>
+          <p:cNvPr id="3" name="Group 2"/>
+          <p:cNvGrpSpPr/>
           <p:nvPr/>
-        </p:nvSpPr>
-        <p:spPr>
+        </p:nvGrpSpPr>
+        <p:grpSpPr>
           <a:xfrm>
             <a:off x="247184" y="762000"/>
-            <a:ext cx="8668216" cy="1752600"/>
+            <a:ext cx="8668216" cy="5142801"/>
+            <a:chOff x="247184" y="762000"/>
+            <a:chExt cx="8668216" cy="5142801"/>
           </a:xfrm>
-          <a:prstGeom prst="roundRect">
-            <a:avLst/>
-          </a:prstGeom>
-          <a:noFill/>
-          <a:ln>
+        </p:grpSpPr>
+        <p:sp>
+          <p:nvSpPr>
+            <p:cNvPr id="6" name="Rounded Rectangle 5"/>
+            <p:cNvSpPr/>
+            <p:nvPr/>
+          </p:nvSpPr>
+          <p:spPr>
+            <a:xfrm>
+              <a:off x="247184" y="762000"/>
+              <a:ext cx="8668216" cy="1752600"/>
+            </a:xfrm>
+            <a:prstGeom prst="roundRect">
+              <a:avLst/>
+            </a:prstGeom>
             <a:noFill/>
-          </a:ln>
-          <a:effectLst/>
-        </p:spPr>
-        <p:style>
-          <a:lnRef idx="1">
-            <a:schemeClr val="accent1"/>
-          </a:lnRef>
-          <a:fillRef idx="3">
-            <a:schemeClr val="accent1"/>
-          </a:fillRef>
-          <a:effectRef idx="2">
-            <a:schemeClr val="accent1"/>
-          </a:effectRef>
-          <a:fontRef idx="minor">
-            <a:schemeClr val="lt1"/>
-          </a:fontRef>
-        </p:style>
-        <p:txBody>
-          <a:bodyPr lIns="117416" tIns="58707" rIns="117416" bIns="58707" rtlCol="0" anchor="ctr"/>
-          <a:lstStyle/>
-          <a:p>
-            <a:pPr algn="just"/>
-            <a:r>
-              <a:rPr lang="en-US" dirty="0">
-                <a:solidFill>
-                  <a:schemeClr val="accent2">
-                    <a:lumMod val="50000"/>
-                  </a:schemeClr>
-                </a:solidFill>
-                <a:latin typeface="Calibri" charset="0"/>
-                <a:ea typeface="Calibri" charset="0"/>
-                <a:cs typeface="Calibri" charset="0"/>
-              </a:rPr>
-              <a:t>A </a:t>
-            </a:r>
-            <a:r>
-              <a:rPr lang="en-US" dirty="0" err="1">
-                <a:solidFill>
-                  <a:schemeClr val="accent2">
-                    <a:lumMod val="50000"/>
-                  </a:schemeClr>
-                </a:solidFill>
-                <a:latin typeface="Calibri" charset="0"/>
-                <a:ea typeface="Calibri" charset="0"/>
-                <a:cs typeface="Calibri" charset="0"/>
-              </a:rPr>
-              <a:t>struct</a:t>
-            </a:r>
-            <a:r>
-              <a:rPr lang="en-US" dirty="0">
-                <a:solidFill>
-                  <a:schemeClr val="accent2">
-                    <a:lumMod val="50000"/>
-                  </a:schemeClr>
-                </a:solidFill>
-                <a:latin typeface="Calibri" charset="0"/>
-                <a:ea typeface="Calibri" charset="0"/>
-                <a:cs typeface="Calibri" charset="0"/>
-              </a:rPr>
-              <a:t> is similar to a class, with the following key differences: </a:t>
-            </a:r>
-          </a:p>
-          <a:p>
-            <a:pPr marL="285750" indent="-285750" algn="just">
-              <a:buFont typeface="Arial" charset="0"/>
-              <a:buChar char="•"/>
-            </a:pPr>
-            <a:r>
-              <a:rPr lang="en-US" dirty="0">
-                <a:solidFill>
-                  <a:schemeClr val="accent2">
-                    <a:lumMod val="50000"/>
-                  </a:schemeClr>
-                </a:solidFill>
-                <a:latin typeface="Calibri" charset="0"/>
-                <a:ea typeface="Calibri" charset="0"/>
-                <a:cs typeface="Calibri" charset="0"/>
-              </a:rPr>
-              <a:t>A </a:t>
-            </a:r>
-            <a:r>
-              <a:rPr lang="en-US" dirty="0" err="1">
-                <a:solidFill>
-                  <a:schemeClr val="accent2">
-                    <a:lumMod val="50000"/>
-                  </a:schemeClr>
-                </a:solidFill>
-                <a:latin typeface="Calibri" charset="0"/>
-                <a:ea typeface="Calibri" charset="0"/>
-                <a:cs typeface="Calibri" charset="0"/>
-              </a:rPr>
-              <a:t>struct</a:t>
-            </a:r>
-            <a:r>
-              <a:rPr lang="en-US" dirty="0">
-                <a:solidFill>
-                  <a:schemeClr val="accent2">
-                    <a:lumMod val="50000"/>
-                  </a:schemeClr>
-                </a:solidFill>
-                <a:latin typeface="Calibri" charset="0"/>
-                <a:ea typeface="Calibri" charset="0"/>
-                <a:cs typeface="Calibri" charset="0"/>
-              </a:rPr>
-              <a:t> is a value type, whereas a class is a reference type. </a:t>
-            </a:r>
-          </a:p>
-          <a:p>
-            <a:pPr marL="285750" indent="-285750" algn="just">
-              <a:buFont typeface="Arial" charset="0"/>
-              <a:buChar char="•"/>
-            </a:pPr>
-            <a:r>
-              <a:rPr lang="en-US" dirty="0">
-                <a:solidFill>
-                  <a:schemeClr val="accent2">
-                    <a:lumMod val="50000"/>
-                  </a:schemeClr>
-                </a:solidFill>
-                <a:latin typeface="Calibri" charset="0"/>
-                <a:ea typeface="Calibri" charset="0"/>
-                <a:cs typeface="Calibri" charset="0"/>
-              </a:rPr>
-              <a:t>A </a:t>
-            </a:r>
-            <a:r>
-              <a:rPr lang="en-US" dirty="0" err="1">
-                <a:solidFill>
-                  <a:schemeClr val="accent2">
-                    <a:lumMod val="50000"/>
-                  </a:schemeClr>
-                </a:solidFill>
-                <a:latin typeface="Calibri" charset="0"/>
-                <a:ea typeface="Calibri" charset="0"/>
-                <a:cs typeface="Calibri" charset="0"/>
-              </a:rPr>
-              <a:t>struct</a:t>
-            </a:r>
-            <a:r>
-              <a:rPr lang="en-US" dirty="0">
-                <a:solidFill>
-                  <a:schemeClr val="accent2">
-                    <a:lumMod val="50000"/>
-                  </a:schemeClr>
-                </a:solidFill>
-                <a:latin typeface="Calibri" charset="0"/>
-                <a:ea typeface="Calibri" charset="0"/>
-                <a:cs typeface="Calibri" charset="0"/>
-              </a:rPr>
-              <a:t> does not support inheritance (other than implicitly deriving from object, or more precisely, </a:t>
-            </a:r>
-            <a:r>
-              <a:rPr lang="en-US" dirty="0" err="1">
-                <a:solidFill>
-                  <a:schemeClr val="accent2">
-                    <a:lumMod val="50000"/>
-                  </a:schemeClr>
-                </a:solidFill>
-                <a:latin typeface="Calibri" charset="0"/>
-                <a:ea typeface="Calibri" charset="0"/>
-                <a:cs typeface="Calibri" charset="0"/>
-              </a:rPr>
-              <a:t>System.ValueType</a:t>
-            </a:r>
-            <a:r>
-              <a:rPr lang="en-US" dirty="0">
-                <a:solidFill>
-                  <a:schemeClr val="accent2">
-                    <a:lumMod val="50000"/>
-                  </a:schemeClr>
-                </a:solidFill>
-                <a:latin typeface="Calibri" charset="0"/>
-                <a:ea typeface="Calibri" charset="0"/>
-                <a:cs typeface="Calibri" charset="0"/>
-              </a:rPr>
-              <a:t>). </a:t>
-            </a:r>
-          </a:p>
-        </p:txBody>
-      </p:sp>
-      <p:sp>
-        <p:nvSpPr>
-          <p:cNvPr id="31" name="Rounded Rectangle 30"/>
-          <p:cNvSpPr/>
-          <p:nvPr/>
-        </p:nvSpPr>
-        <p:spPr>
-          <a:xfrm>
-            <a:off x="247184" y="2697775"/>
-            <a:ext cx="8668216" cy="1721825"/>
-          </a:xfrm>
-          <a:prstGeom prst="roundRect">
-            <a:avLst/>
-          </a:prstGeom>
-          <a:noFill/>
-          <a:ln>
+            <a:ln>
+              <a:noFill/>
+            </a:ln>
+            <a:effectLst/>
+          </p:spPr>
+          <p:style>
+            <a:lnRef idx="1">
+              <a:schemeClr val="accent1"/>
+            </a:lnRef>
+            <a:fillRef idx="3">
+              <a:schemeClr val="accent1"/>
+            </a:fillRef>
+            <a:effectRef idx="2">
+              <a:schemeClr val="accent1"/>
+            </a:effectRef>
+            <a:fontRef idx="minor">
+              <a:schemeClr val="lt1"/>
+            </a:fontRef>
+          </p:style>
+          <p:txBody>
+            <a:bodyPr lIns="117416" tIns="58707" rIns="117416" bIns="58707" rtlCol="0" anchor="ctr"/>
+            <a:lstStyle/>
+            <a:p>
+              <a:pPr algn="just"/>
+              <a:r>
+                <a:rPr lang="en-US" dirty="0">
+                  <a:solidFill>
+                    <a:schemeClr val="accent2">
+                      <a:lumMod val="50000"/>
+                    </a:schemeClr>
+                  </a:solidFill>
+                  <a:latin typeface="Calibri" charset="0"/>
+                  <a:ea typeface="Calibri" charset="0"/>
+                  <a:cs typeface="Calibri" charset="0"/>
+                </a:rPr>
+                <a:t>A </a:t>
+              </a:r>
+              <a:r>
+                <a:rPr lang="en-US" dirty="0" err="1">
+                  <a:solidFill>
+                    <a:schemeClr val="accent2">
+                      <a:lumMod val="50000"/>
+                    </a:schemeClr>
+                  </a:solidFill>
+                  <a:latin typeface="Calibri" charset="0"/>
+                  <a:ea typeface="Calibri" charset="0"/>
+                  <a:cs typeface="Calibri" charset="0"/>
+                </a:rPr>
+                <a:t>struct</a:t>
+              </a:r>
+              <a:r>
+                <a:rPr lang="en-US" dirty="0">
+                  <a:solidFill>
+                    <a:schemeClr val="accent2">
+                      <a:lumMod val="50000"/>
+                    </a:schemeClr>
+                  </a:solidFill>
+                  <a:latin typeface="Calibri" charset="0"/>
+                  <a:ea typeface="Calibri" charset="0"/>
+                  <a:cs typeface="Calibri" charset="0"/>
+                </a:rPr>
+                <a:t> is similar to a class, with the following key differences: </a:t>
+              </a:r>
+            </a:p>
+            <a:p>
+              <a:pPr marL="285750" indent="-285750" algn="just">
+                <a:buFont typeface="Arial" charset="0"/>
+                <a:buChar char="•"/>
+              </a:pPr>
+              <a:r>
+                <a:rPr lang="en-US" dirty="0">
+                  <a:solidFill>
+                    <a:schemeClr val="accent2">
+                      <a:lumMod val="50000"/>
+                    </a:schemeClr>
+                  </a:solidFill>
+                  <a:latin typeface="Calibri" charset="0"/>
+                  <a:ea typeface="Calibri" charset="0"/>
+                  <a:cs typeface="Calibri" charset="0"/>
+                </a:rPr>
+                <a:t>A </a:t>
+              </a:r>
+              <a:r>
+                <a:rPr lang="en-US" dirty="0" err="1">
+                  <a:solidFill>
+                    <a:schemeClr val="accent2">
+                      <a:lumMod val="50000"/>
+                    </a:schemeClr>
+                  </a:solidFill>
+                  <a:latin typeface="Calibri" charset="0"/>
+                  <a:ea typeface="Calibri" charset="0"/>
+                  <a:cs typeface="Calibri" charset="0"/>
+                </a:rPr>
+                <a:t>struct</a:t>
+              </a:r>
+              <a:r>
+                <a:rPr lang="en-US" dirty="0">
+                  <a:solidFill>
+                    <a:schemeClr val="accent2">
+                      <a:lumMod val="50000"/>
+                    </a:schemeClr>
+                  </a:solidFill>
+                  <a:latin typeface="Calibri" charset="0"/>
+                  <a:ea typeface="Calibri" charset="0"/>
+                  <a:cs typeface="Calibri" charset="0"/>
+                </a:rPr>
+                <a:t> is a value type, whereas a class is a reference type. </a:t>
+              </a:r>
+            </a:p>
+            <a:p>
+              <a:pPr marL="285750" indent="-285750" algn="just">
+                <a:buFont typeface="Arial" charset="0"/>
+                <a:buChar char="•"/>
+              </a:pPr>
+              <a:r>
+                <a:rPr lang="en-US" dirty="0">
+                  <a:solidFill>
+                    <a:schemeClr val="accent2">
+                      <a:lumMod val="50000"/>
+                    </a:schemeClr>
+                  </a:solidFill>
+                  <a:latin typeface="Calibri" charset="0"/>
+                  <a:ea typeface="Calibri" charset="0"/>
+                  <a:cs typeface="Calibri" charset="0"/>
+                </a:rPr>
+                <a:t>A </a:t>
+              </a:r>
+              <a:r>
+                <a:rPr lang="en-US" dirty="0" err="1">
+                  <a:solidFill>
+                    <a:schemeClr val="accent2">
+                      <a:lumMod val="50000"/>
+                    </a:schemeClr>
+                  </a:solidFill>
+                  <a:latin typeface="Calibri" charset="0"/>
+                  <a:ea typeface="Calibri" charset="0"/>
+                  <a:cs typeface="Calibri" charset="0"/>
+                </a:rPr>
+                <a:t>struct</a:t>
+              </a:r>
+              <a:r>
+                <a:rPr lang="en-US" dirty="0">
+                  <a:solidFill>
+                    <a:schemeClr val="accent2">
+                      <a:lumMod val="50000"/>
+                    </a:schemeClr>
+                  </a:solidFill>
+                  <a:latin typeface="Calibri" charset="0"/>
+                  <a:ea typeface="Calibri" charset="0"/>
+                  <a:cs typeface="Calibri" charset="0"/>
+                </a:rPr>
+                <a:t> does not support inheritance (other than implicitly deriving from object, or more precisely, </a:t>
+              </a:r>
+              <a:r>
+                <a:rPr lang="en-US" dirty="0" err="1">
+                  <a:solidFill>
+                    <a:schemeClr val="accent2">
+                      <a:lumMod val="50000"/>
+                    </a:schemeClr>
+                  </a:solidFill>
+                  <a:latin typeface="Calibri" charset="0"/>
+                  <a:ea typeface="Calibri" charset="0"/>
+                  <a:cs typeface="Calibri" charset="0"/>
+                </a:rPr>
+                <a:t>System.ValueType</a:t>
+              </a:r>
+              <a:r>
+                <a:rPr lang="en-US" dirty="0">
+                  <a:solidFill>
+                    <a:schemeClr val="accent2">
+                      <a:lumMod val="50000"/>
+                    </a:schemeClr>
+                  </a:solidFill>
+                  <a:latin typeface="Calibri" charset="0"/>
+                  <a:ea typeface="Calibri" charset="0"/>
+                  <a:cs typeface="Calibri" charset="0"/>
+                </a:rPr>
+                <a:t>). </a:t>
+              </a:r>
+            </a:p>
+          </p:txBody>
+        </p:sp>
+        <p:sp>
+          <p:nvSpPr>
+            <p:cNvPr id="31" name="Rounded Rectangle 30"/>
+            <p:cNvSpPr/>
+            <p:nvPr/>
+          </p:nvSpPr>
+          <p:spPr>
+            <a:xfrm>
+              <a:off x="247184" y="2697775"/>
+              <a:ext cx="8668216" cy="1721825"/>
+            </a:xfrm>
+            <a:prstGeom prst="roundRect">
+              <a:avLst/>
+            </a:prstGeom>
             <a:noFill/>
-          </a:ln>
-          <a:effectLst/>
-        </p:spPr>
-        <p:style>
-          <a:lnRef idx="1">
-            <a:schemeClr val="accent1"/>
-          </a:lnRef>
-          <a:fillRef idx="3">
-            <a:schemeClr val="accent1"/>
-          </a:fillRef>
-          <a:effectRef idx="2">
-            <a:schemeClr val="accent1"/>
-          </a:effectRef>
-          <a:fontRef idx="minor">
-            <a:schemeClr val="lt1"/>
-          </a:fontRef>
-        </p:style>
-        <p:txBody>
-          <a:bodyPr lIns="117416" tIns="58707" rIns="117416" bIns="58707" rtlCol="0" anchor="ctr"/>
-          <a:lstStyle/>
-          <a:p>
-            <a:r>
-              <a:rPr lang="en-US" dirty="0">
-                <a:solidFill>
-                  <a:schemeClr val="accent2">
-                    <a:lumMod val="50000"/>
-                  </a:schemeClr>
-                </a:solidFill>
-                <a:latin typeface="Calibri" charset="0"/>
-                <a:ea typeface="Calibri" charset="0"/>
-                <a:cs typeface="Calibri" charset="0"/>
-              </a:rPr>
-              <a:t>A </a:t>
-            </a:r>
-            <a:r>
-              <a:rPr lang="en-US" dirty="0" err="1">
-                <a:solidFill>
-                  <a:schemeClr val="accent2">
-                    <a:lumMod val="50000"/>
-                  </a:schemeClr>
-                </a:solidFill>
-                <a:latin typeface="Calibri" charset="0"/>
-                <a:ea typeface="Calibri" charset="0"/>
-                <a:cs typeface="Calibri" charset="0"/>
-              </a:rPr>
-              <a:t>struct</a:t>
-            </a:r>
-            <a:r>
-              <a:rPr lang="en-US" dirty="0">
-                <a:solidFill>
-                  <a:schemeClr val="accent2">
-                    <a:lumMod val="50000"/>
-                  </a:schemeClr>
-                </a:solidFill>
-                <a:latin typeface="Calibri" charset="0"/>
-                <a:ea typeface="Calibri" charset="0"/>
-                <a:cs typeface="Calibri" charset="0"/>
-              </a:rPr>
-              <a:t> can have all the members a class can, except the following: </a:t>
-            </a:r>
-          </a:p>
-          <a:p>
-            <a:pPr marL="50800" lvl="1" indent="314325">
-              <a:buFont typeface="Arial" charset="0"/>
-              <a:buChar char="•"/>
-            </a:pPr>
-            <a:r>
-              <a:rPr lang="en-US" dirty="0">
-                <a:solidFill>
-                  <a:schemeClr val="accent2">
-                    <a:lumMod val="50000"/>
-                  </a:schemeClr>
-                </a:solidFill>
-                <a:latin typeface="Calibri" charset="0"/>
-                <a:ea typeface="Calibri" charset="0"/>
-                <a:cs typeface="Calibri" charset="0"/>
-              </a:rPr>
-              <a:t>A </a:t>
-            </a:r>
-            <a:r>
-              <a:rPr lang="en-US" dirty="0" err="1">
-                <a:solidFill>
-                  <a:schemeClr val="accent2">
-                    <a:lumMod val="50000"/>
-                  </a:schemeClr>
-                </a:solidFill>
-                <a:latin typeface="Calibri" charset="0"/>
-                <a:ea typeface="Calibri" charset="0"/>
-                <a:cs typeface="Calibri" charset="0"/>
-              </a:rPr>
-              <a:t>parameterless</a:t>
-            </a:r>
-            <a:r>
-              <a:rPr lang="en-US" dirty="0">
-                <a:solidFill>
-                  <a:schemeClr val="accent2">
-                    <a:lumMod val="50000"/>
-                  </a:schemeClr>
-                </a:solidFill>
-                <a:latin typeface="Calibri" charset="0"/>
-                <a:ea typeface="Calibri" charset="0"/>
-                <a:cs typeface="Calibri" charset="0"/>
-              </a:rPr>
-              <a:t> constructor </a:t>
-            </a:r>
-          </a:p>
-          <a:p>
-            <a:pPr marL="50800" lvl="1" indent="314325">
-              <a:buFont typeface="Arial" charset="0"/>
-              <a:buChar char="•"/>
-            </a:pPr>
-            <a:r>
-              <a:rPr lang="en-US" dirty="0">
-                <a:solidFill>
-                  <a:schemeClr val="accent2">
-                    <a:lumMod val="50000"/>
-                  </a:schemeClr>
-                </a:solidFill>
-                <a:latin typeface="Calibri" charset="0"/>
-                <a:ea typeface="Calibri" charset="0"/>
-                <a:cs typeface="Calibri" charset="0"/>
-              </a:rPr>
-              <a:t>Field initializers </a:t>
-            </a:r>
-          </a:p>
-          <a:p>
-            <a:pPr marL="50800" lvl="1" indent="314325">
-              <a:buFont typeface="Arial" charset="0"/>
-              <a:buChar char="•"/>
-            </a:pPr>
-            <a:r>
-              <a:rPr lang="en-US" dirty="0">
-                <a:solidFill>
-                  <a:schemeClr val="accent2">
-                    <a:lumMod val="50000"/>
-                  </a:schemeClr>
-                </a:solidFill>
-                <a:latin typeface="Calibri" charset="0"/>
-                <a:ea typeface="Calibri" charset="0"/>
-                <a:cs typeface="Calibri" charset="0"/>
-              </a:rPr>
-              <a:t>A </a:t>
-            </a:r>
-            <a:r>
-              <a:rPr lang="en-US" dirty="0" err="1">
-                <a:solidFill>
-                  <a:schemeClr val="accent2">
-                    <a:lumMod val="50000"/>
-                  </a:schemeClr>
-                </a:solidFill>
-                <a:latin typeface="Calibri" charset="0"/>
-                <a:ea typeface="Calibri" charset="0"/>
-                <a:cs typeface="Calibri" charset="0"/>
-              </a:rPr>
-              <a:t>finalizer</a:t>
-            </a:r>
-            <a:r>
-              <a:rPr lang="en-US" dirty="0">
-                <a:solidFill>
-                  <a:schemeClr val="accent2">
-                    <a:lumMod val="50000"/>
-                  </a:schemeClr>
-                </a:solidFill>
-                <a:latin typeface="Calibri" charset="0"/>
-                <a:ea typeface="Calibri" charset="0"/>
-                <a:cs typeface="Calibri" charset="0"/>
-              </a:rPr>
-              <a:t> </a:t>
-            </a:r>
-          </a:p>
-          <a:p>
-            <a:pPr marL="50800" lvl="1" indent="314325">
-              <a:buFont typeface="Arial" charset="0"/>
-              <a:buChar char="•"/>
-            </a:pPr>
-            <a:r>
-              <a:rPr lang="en-US" dirty="0">
-                <a:solidFill>
-                  <a:schemeClr val="accent2">
-                    <a:lumMod val="50000"/>
-                  </a:schemeClr>
-                </a:solidFill>
-                <a:latin typeface="Calibri" charset="0"/>
-                <a:ea typeface="Calibri" charset="0"/>
-                <a:cs typeface="Calibri" charset="0"/>
-              </a:rPr>
-              <a:t>Virtual or protected members </a:t>
-            </a:r>
-          </a:p>
-        </p:txBody>
-      </p:sp>
-      <p:sp>
-        <p:nvSpPr>
-          <p:cNvPr id="32" name="Rounded Rectangle 31"/>
-          <p:cNvSpPr/>
-          <p:nvPr/>
-        </p:nvSpPr>
-        <p:spPr>
-          <a:xfrm>
-            <a:off x="247184" y="4609401"/>
-            <a:ext cx="8668216" cy="1295400"/>
-          </a:xfrm>
-          <a:prstGeom prst="roundRect">
-            <a:avLst/>
-          </a:prstGeom>
-          <a:noFill/>
-          <a:ln>
+            <a:ln>
+              <a:noFill/>
+            </a:ln>
+            <a:effectLst/>
+          </p:spPr>
+          <p:style>
+            <a:lnRef idx="1">
+              <a:schemeClr val="accent1"/>
+            </a:lnRef>
+            <a:fillRef idx="3">
+              <a:schemeClr val="accent1"/>
+            </a:fillRef>
+            <a:effectRef idx="2">
+              <a:schemeClr val="accent1"/>
+            </a:effectRef>
+            <a:fontRef idx="minor">
+              <a:schemeClr val="lt1"/>
+            </a:fontRef>
+          </p:style>
+          <p:txBody>
+            <a:bodyPr lIns="117416" tIns="58707" rIns="117416" bIns="58707" rtlCol="0" anchor="ctr"/>
+            <a:lstStyle/>
+            <a:p>
+              <a:r>
+                <a:rPr lang="en-US" dirty="0">
+                  <a:solidFill>
+                    <a:schemeClr val="accent2">
+                      <a:lumMod val="50000"/>
+                    </a:schemeClr>
+                  </a:solidFill>
+                  <a:latin typeface="Calibri" charset="0"/>
+                  <a:ea typeface="Calibri" charset="0"/>
+                  <a:cs typeface="Calibri" charset="0"/>
+                </a:rPr>
+                <a:t>A </a:t>
+              </a:r>
+              <a:r>
+                <a:rPr lang="en-US" dirty="0" err="1">
+                  <a:solidFill>
+                    <a:schemeClr val="accent2">
+                      <a:lumMod val="50000"/>
+                    </a:schemeClr>
+                  </a:solidFill>
+                  <a:latin typeface="Calibri" charset="0"/>
+                  <a:ea typeface="Calibri" charset="0"/>
+                  <a:cs typeface="Calibri" charset="0"/>
+                </a:rPr>
+                <a:t>struct</a:t>
+              </a:r>
+              <a:r>
+                <a:rPr lang="en-US" dirty="0">
+                  <a:solidFill>
+                    <a:schemeClr val="accent2">
+                      <a:lumMod val="50000"/>
+                    </a:schemeClr>
+                  </a:solidFill>
+                  <a:latin typeface="Calibri" charset="0"/>
+                  <a:ea typeface="Calibri" charset="0"/>
+                  <a:cs typeface="Calibri" charset="0"/>
+                </a:rPr>
+                <a:t> can have all the members a class can, except the following: </a:t>
+              </a:r>
+            </a:p>
+            <a:p>
+              <a:pPr marL="50800" lvl="1" indent="314325">
+                <a:buFont typeface="Arial" charset="0"/>
+                <a:buChar char="•"/>
+              </a:pPr>
+              <a:r>
+                <a:rPr lang="en-US" dirty="0">
+                  <a:solidFill>
+                    <a:schemeClr val="accent2">
+                      <a:lumMod val="50000"/>
+                    </a:schemeClr>
+                  </a:solidFill>
+                  <a:latin typeface="Calibri" charset="0"/>
+                  <a:ea typeface="Calibri" charset="0"/>
+                  <a:cs typeface="Calibri" charset="0"/>
+                </a:rPr>
+                <a:t>A </a:t>
+              </a:r>
+              <a:r>
+                <a:rPr lang="en-US" dirty="0" err="1">
+                  <a:solidFill>
+                    <a:schemeClr val="accent2">
+                      <a:lumMod val="50000"/>
+                    </a:schemeClr>
+                  </a:solidFill>
+                  <a:latin typeface="Calibri" charset="0"/>
+                  <a:ea typeface="Calibri" charset="0"/>
+                  <a:cs typeface="Calibri" charset="0"/>
+                </a:rPr>
+                <a:t>parameterless</a:t>
+              </a:r>
+              <a:r>
+                <a:rPr lang="en-US" dirty="0">
+                  <a:solidFill>
+                    <a:schemeClr val="accent2">
+                      <a:lumMod val="50000"/>
+                    </a:schemeClr>
+                  </a:solidFill>
+                  <a:latin typeface="Calibri" charset="0"/>
+                  <a:ea typeface="Calibri" charset="0"/>
+                  <a:cs typeface="Calibri" charset="0"/>
+                </a:rPr>
+                <a:t> constructor </a:t>
+              </a:r>
+            </a:p>
+            <a:p>
+              <a:pPr marL="50800" lvl="1" indent="314325">
+                <a:buFont typeface="Arial" charset="0"/>
+                <a:buChar char="•"/>
+              </a:pPr>
+              <a:r>
+                <a:rPr lang="en-US" dirty="0">
+                  <a:solidFill>
+                    <a:schemeClr val="accent2">
+                      <a:lumMod val="50000"/>
+                    </a:schemeClr>
+                  </a:solidFill>
+                  <a:latin typeface="Calibri" charset="0"/>
+                  <a:ea typeface="Calibri" charset="0"/>
+                  <a:cs typeface="Calibri" charset="0"/>
+                </a:rPr>
+                <a:t>Field initializers </a:t>
+              </a:r>
+            </a:p>
+            <a:p>
+              <a:pPr marL="50800" lvl="1" indent="314325">
+                <a:buFont typeface="Arial" charset="0"/>
+                <a:buChar char="•"/>
+              </a:pPr>
+              <a:r>
+                <a:rPr lang="en-US" dirty="0">
+                  <a:solidFill>
+                    <a:schemeClr val="accent2">
+                      <a:lumMod val="50000"/>
+                    </a:schemeClr>
+                  </a:solidFill>
+                  <a:latin typeface="Calibri" charset="0"/>
+                  <a:ea typeface="Calibri" charset="0"/>
+                  <a:cs typeface="Calibri" charset="0"/>
+                </a:rPr>
+                <a:t>A </a:t>
+              </a:r>
+              <a:r>
+                <a:rPr lang="en-US" dirty="0" err="1">
+                  <a:solidFill>
+                    <a:schemeClr val="accent2">
+                      <a:lumMod val="50000"/>
+                    </a:schemeClr>
+                  </a:solidFill>
+                  <a:latin typeface="Calibri" charset="0"/>
+                  <a:ea typeface="Calibri" charset="0"/>
+                  <a:cs typeface="Calibri" charset="0"/>
+                </a:rPr>
+                <a:t>finalizer</a:t>
+              </a:r>
+              <a:r>
+                <a:rPr lang="en-US" dirty="0">
+                  <a:solidFill>
+                    <a:schemeClr val="accent2">
+                      <a:lumMod val="50000"/>
+                    </a:schemeClr>
+                  </a:solidFill>
+                  <a:latin typeface="Calibri" charset="0"/>
+                  <a:ea typeface="Calibri" charset="0"/>
+                  <a:cs typeface="Calibri" charset="0"/>
+                </a:rPr>
+                <a:t> </a:t>
+              </a:r>
+            </a:p>
+            <a:p>
+              <a:pPr marL="50800" lvl="1" indent="314325">
+                <a:buFont typeface="Arial" charset="0"/>
+                <a:buChar char="•"/>
+              </a:pPr>
+              <a:r>
+                <a:rPr lang="en-US" dirty="0">
+                  <a:solidFill>
+                    <a:schemeClr val="accent2">
+                      <a:lumMod val="50000"/>
+                    </a:schemeClr>
+                  </a:solidFill>
+                  <a:latin typeface="Calibri" charset="0"/>
+                  <a:ea typeface="Calibri" charset="0"/>
+                  <a:cs typeface="Calibri" charset="0"/>
+                </a:rPr>
+                <a:t>Virtual or protected members </a:t>
+              </a:r>
+            </a:p>
+          </p:txBody>
+        </p:sp>
+        <p:sp>
+          <p:nvSpPr>
+            <p:cNvPr id="32" name="Rounded Rectangle 31"/>
+            <p:cNvSpPr/>
+            <p:nvPr/>
+          </p:nvSpPr>
+          <p:spPr>
+            <a:xfrm>
+              <a:off x="247184" y="4609401"/>
+              <a:ext cx="8668216" cy="1295400"/>
+            </a:xfrm>
+            <a:prstGeom prst="roundRect">
+              <a:avLst/>
+            </a:prstGeom>
             <a:noFill/>
-          </a:ln>
-          <a:effectLst/>
-        </p:spPr>
-        <p:style>
-          <a:lnRef idx="1">
-            <a:schemeClr val="accent1"/>
-          </a:lnRef>
-          <a:fillRef idx="3">
-            <a:schemeClr val="accent1"/>
-          </a:fillRef>
-          <a:effectRef idx="2">
-            <a:schemeClr val="accent1"/>
-          </a:effectRef>
-          <a:fontRef idx="minor">
-            <a:schemeClr val="lt1"/>
-          </a:fontRef>
-        </p:style>
-        <p:txBody>
-          <a:bodyPr lIns="117416" tIns="58707" rIns="117416" bIns="58707" rtlCol="0" anchor="ctr"/>
-          <a:lstStyle/>
-          <a:p>
-            <a:pPr algn="just"/>
-            <a:r>
-              <a:rPr lang="en-US" dirty="0">
-                <a:solidFill>
-                  <a:schemeClr val="accent2">
-                    <a:lumMod val="50000"/>
-                  </a:schemeClr>
-                </a:solidFill>
-                <a:latin typeface="Calibri" charset="0"/>
-                <a:ea typeface="Calibri" charset="0"/>
-                <a:cs typeface="Calibri" charset="0"/>
-              </a:rPr>
-              <a:t>Because </a:t>
-            </a:r>
-            <a:r>
-              <a:rPr lang="en-US" dirty="0" smtClean="0">
-                <a:solidFill>
-                  <a:schemeClr val="accent2">
-                    <a:lumMod val="50000"/>
-                  </a:schemeClr>
-                </a:solidFill>
-                <a:latin typeface="Calibri" charset="0"/>
-                <a:ea typeface="Calibri" charset="0"/>
-                <a:cs typeface="Calibri" charset="0"/>
-              </a:rPr>
-              <a:t>a </a:t>
-            </a:r>
-            <a:r>
-              <a:rPr lang="en-US" dirty="0" err="1">
-                <a:solidFill>
-                  <a:schemeClr val="accent2">
-                    <a:lumMod val="50000"/>
-                  </a:schemeClr>
-                </a:solidFill>
-                <a:latin typeface="Calibri" charset="0"/>
-                <a:ea typeface="Calibri" charset="0"/>
-                <a:cs typeface="Calibri" charset="0"/>
-              </a:rPr>
-              <a:t>struct</a:t>
-            </a:r>
-            <a:r>
-              <a:rPr lang="en-US" dirty="0">
-                <a:solidFill>
-                  <a:schemeClr val="accent2">
-                    <a:lumMod val="50000"/>
-                  </a:schemeClr>
-                </a:solidFill>
-                <a:latin typeface="Calibri" charset="0"/>
-                <a:ea typeface="Calibri" charset="0"/>
-                <a:cs typeface="Calibri" charset="0"/>
-              </a:rPr>
-              <a:t> is a value type, each instance does not require instantiation of an object on the heap; this incurs a useful savings when </a:t>
-            </a:r>
-            <a:r>
-              <a:rPr lang="en-US" dirty="0" smtClean="0">
-                <a:solidFill>
-                  <a:schemeClr val="accent2">
-                    <a:lumMod val="50000"/>
-                  </a:schemeClr>
-                </a:solidFill>
-                <a:latin typeface="Calibri" charset="0"/>
-                <a:ea typeface="Calibri" charset="0"/>
-                <a:cs typeface="Calibri" charset="0"/>
-              </a:rPr>
-              <a:t>creating </a:t>
-            </a:r>
-            <a:r>
-              <a:rPr lang="en-US" dirty="0">
-                <a:solidFill>
-                  <a:schemeClr val="accent2">
-                    <a:lumMod val="50000"/>
-                  </a:schemeClr>
-                </a:solidFill>
-                <a:latin typeface="Calibri" charset="0"/>
-                <a:ea typeface="Calibri" charset="0"/>
-                <a:cs typeface="Calibri" charset="0"/>
-              </a:rPr>
-              <a:t>many instances of a type. For instance, creating an array of value type requires only a single heap allocation. </a:t>
-            </a:r>
-          </a:p>
-        </p:txBody>
-      </p:sp>
+            <a:ln>
+              <a:noFill/>
+            </a:ln>
+            <a:effectLst/>
+          </p:spPr>
+          <p:style>
+            <a:lnRef idx="1">
+              <a:schemeClr val="accent1"/>
+            </a:lnRef>
+            <a:fillRef idx="3">
+              <a:schemeClr val="accent1"/>
+            </a:fillRef>
+            <a:effectRef idx="2">
+              <a:schemeClr val="accent1"/>
+            </a:effectRef>
+            <a:fontRef idx="minor">
+              <a:schemeClr val="lt1"/>
+            </a:fontRef>
+          </p:style>
+          <p:txBody>
+            <a:bodyPr lIns="117416" tIns="58707" rIns="117416" bIns="58707" rtlCol="0" anchor="ctr"/>
+            <a:lstStyle/>
+            <a:p>
+              <a:pPr algn="just"/>
+              <a:r>
+                <a:rPr lang="en-US" dirty="0">
+                  <a:solidFill>
+                    <a:schemeClr val="accent2">
+                      <a:lumMod val="50000"/>
+                    </a:schemeClr>
+                  </a:solidFill>
+                  <a:latin typeface="Calibri" charset="0"/>
+                  <a:ea typeface="Calibri" charset="0"/>
+                  <a:cs typeface="Calibri" charset="0"/>
+                </a:rPr>
+                <a:t>Because </a:t>
+              </a:r>
+              <a:r>
+                <a:rPr lang="en-US" dirty="0" smtClean="0">
+                  <a:solidFill>
+                    <a:schemeClr val="accent2">
+                      <a:lumMod val="50000"/>
+                    </a:schemeClr>
+                  </a:solidFill>
+                  <a:latin typeface="Calibri" charset="0"/>
+                  <a:ea typeface="Calibri" charset="0"/>
+                  <a:cs typeface="Calibri" charset="0"/>
+                </a:rPr>
+                <a:t>a </a:t>
+              </a:r>
+              <a:r>
+                <a:rPr lang="en-US" dirty="0" err="1">
+                  <a:solidFill>
+                    <a:schemeClr val="accent2">
+                      <a:lumMod val="50000"/>
+                    </a:schemeClr>
+                  </a:solidFill>
+                  <a:latin typeface="Calibri" charset="0"/>
+                  <a:ea typeface="Calibri" charset="0"/>
+                  <a:cs typeface="Calibri" charset="0"/>
+                </a:rPr>
+                <a:t>struct</a:t>
+              </a:r>
+              <a:r>
+                <a:rPr lang="en-US" dirty="0">
+                  <a:solidFill>
+                    <a:schemeClr val="accent2">
+                      <a:lumMod val="50000"/>
+                    </a:schemeClr>
+                  </a:solidFill>
+                  <a:latin typeface="Calibri" charset="0"/>
+                  <a:ea typeface="Calibri" charset="0"/>
+                  <a:cs typeface="Calibri" charset="0"/>
+                </a:rPr>
+                <a:t> is a value type, each instance does not require instantiation of an object on the heap; this incurs a useful savings when </a:t>
+              </a:r>
+              <a:r>
+                <a:rPr lang="en-US" dirty="0" smtClean="0">
+                  <a:solidFill>
+                    <a:schemeClr val="accent2">
+                      <a:lumMod val="50000"/>
+                    </a:schemeClr>
+                  </a:solidFill>
+                  <a:latin typeface="Calibri" charset="0"/>
+                  <a:ea typeface="Calibri" charset="0"/>
+                  <a:cs typeface="Calibri" charset="0"/>
+                </a:rPr>
+                <a:t>creating </a:t>
+              </a:r>
+              <a:r>
+                <a:rPr lang="en-US" dirty="0">
+                  <a:solidFill>
+                    <a:schemeClr val="accent2">
+                      <a:lumMod val="50000"/>
+                    </a:schemeClr>
+                  </a:solidFill>
+                  <a:latin typeface="Calibri" charset="0"/>
+                  <a:ea typeface="Calibri" charset="0"/>
+                  <a:cs typeface="Calibri" charset="0"/>
+                </a:rPr>
+                <a:t>many instances of a type. For instance, creating an array of value type requires only a single heap allocation. </a:t>
+              </a:r>
+            </a:p>
+          </p:txBody>
+        </p:sp>
+      </p:grpSp>
     </p:spTree>
     <p:extLst>
       <p:ext uri="{BB962C8B-B14F-4D97-AF65-F5344CB8AC3E}">
@@ -23726,369 +23754,384 @@
           </a:p>
         </p:txBody>
       </p:sp>
-      <p:sp>
-        <p:nvSpPr>
-          <p:cNvPr id="9" name="Rounded Rectangle 8"/>
-          <p:cNvSpPr/>
+      <p:grpSp>
+        <p:nvGrpSpPr>
+          <p:cNvPr id="3" name="Group 2"/>
+          <p:cNvGrpSpPr/>
           <p:nvPr/>
-        </p:nvSpPr>
-        <p:spPr>
+        </p:nvGrpSpPr>
+        <p:grpSpPr>
           <a:xfrm>
             <a:off x="185795" y="1390208"/>
-            <a:ext cx="8752831" cy="1540337"/>
+            <a:ext cx="8752831" cy="4248592"/>
+            <a:chOff x="185795" y="1390208"/>
+            <a:chExt cx="8752831" cy="4248592"/>
           </a:xfrm>
-          <a:prstGeom prst="roundRect">
-            <a:avLst/>
-          </a:prstGeom>
-          <a:noFill/>
-          <a:ln>
+        </p:grpSpPr>
+        <p:sp>
+          <p:nvSpPr>
+            <p:cNvPr id="9" name="Rounded Rectangle 8"/>
+            <p:cNvSpPr/>
+            <p:nvPr/>
+          </p:nvSpPr>
+          <p:spPr>
+            <a:xfrm>
+              <a:off x="185795" y="1390208"/>
+              <a:ext cx="8752831" cy="1540337"/>
+            </a:xfrm>
+            <a:prstGeom prst="roundRect">
+              <a:avLst/>
+            </a:prstGeom>
             <a:noFill/>
-          </a:ln>
-          <a:effectLst/>
-        </p:spPr>
-        <p:style>
-          <a:lnRef idx="1">
-            <a:schemeClr val="accent1"/>
-          </a:lnRef>
-          <a:fillRef idx="2">
-            <a:schemeClr val="accent1"/>
-          </a:fillRef>
-          <a:effectRef idx="1">
-            <a:schemeClr val="accent1"/>
-          </a:effectRef>
-          <a:fontRef idx="minor">
-            <a:schemeClr val="dk1"/>
-          </a:fontRef>
-        </p:style>
-        <p:txBody>
-          <a:bodyPr lIns="117416" tIns="58707" rIns="117416" bIns="58707" rtlCol="0" anchor="ctr"/>
-          <a:lstStyle/>
-          <a:p>
-            <a:pPr algn="just"/>
-            <a:r>
-              <a:rPr lang="en-US" dirty="0">
-                <a:solidFill>
-                  <a:schemeClr val="accent2">
-                    <a:lumMod val="50000"/>
-                  </a:schemeClr>
-                </a:solidFill>
-                <a:effectLst/>
-                <a:latin typeface="Calibri" charset="0"/>
-                <a:ea typeface="Calibri" charset="0"/>
-                <a:cs typeface="Calibri" charset="0"/>
-              </a:rPr>
-              <a:t>A class can contain both code and data, and it can choose to make some of its features publicly available, while keeping other features accessible only to code within the class. So classes offer a mechanism for encapsulation—they can define a clear public programming interface for other people to use, while keeping in­ </a:t>
-            </a:r>
-            <a:r>
-              <a:rPr lang="en-US" dirty="0" err="1">
-                <a:solidFill>
-                  <a:schemeClr val="accent2">
-                    <a:lumMod val="50000"/>
-                  </a:schemeClr>
-                </a:solidFill>
-                <a:effectLst/>
-                <a:latin typeface="Calibri" charset="0"/>
-                <a:ea typeface="Calibri" charset="0"/>
-                <a:cs typeface="Calibri" charset="0"/>
-              </a:rPr>
-              <a:t>ternal</a:t>
-            </a:r>
-            <a:r>
-              <a:rPr lang="en-US" dirty="0">
-                <a:solidFill>
-                  <a:schemeClr val="accent2">
-                    <a:lumMod val="50000"/>
-                  </a:schemeClr>
-                </a:solidFill>
-                <a:effectLst/>
-                <a:latin typeface="Calibri" charset="0"/>
-                <a:ea typeface="Calibri" charset="0"/>
-                <a:cs typeface="Calibri" charset="0"/>
-              </a:rPr>
-              <a:t> implementation details inaccessible. </a:t>
-            </a:r>
-          </a:p>
-        </p:txBody>
-      </p:sp>
-      <p:sp>
-        <p:nvSpPr>
-          <p:cNvPr id="12" name="Rounded Rectangle 11"/>
-          <p:cNvSpPr/>
-          <p:nvPr/>
-        </p:nvSpPr>
-        <p:spPr>
-          <a:xfrm>
-            <a:off x="381000" y="2611276"/>
-            <a:ext cx="4154100" cy="1528245"/>
-          </a:xfrm>
-          <a:prstGeom prst="roundRect">
-            <a:avLst/>
-          </a:prstGeom>
-          <a:noFill/>
-          <a:ln>
+            <a:ln>
+              <a:noFill/>
+            </a:ln>
+            <a:effectLst/>
+          </p:spPr>
+          <p:style>
+            <a:lnRef idx="1">
+              <a:schemeClr val="accent1"/>
+            </a:lnRef>
+            <a:fillRef idx="2">
+              <a:schemeClr val="accent1"/>
+            </a:fillRef>
+            <a:effectRef idx="1">
+              <a:schemeClr val="accent1"/>
+            </a:effectRef>
+            <a:fontRef idx="minor">
+              <a:schemeClr val="dk1"/>
+            </a:fontRef>
+          </p:style>
+          <p:txBody>
+            <a:bodyPr lIns="117416" tIns="58707" rIns="117416" bIns="58707" rtlCol="0" anchor="ctr"/>
+            <a:lstStyle/>
+            <a:p>
+              <a:pPr algn="just"/>
+              <a:r>
+                <a:rPr lang="en-US" dirty="0">
+                  <a:solidFill>
+                    <a:schemeClr val="accent2">
+                      <a:lumMod val="50000"/>
+                    </a:schemeClr>
+                  </a:solidFill>
+                  <a:effectLst/>
+                  <a:latin typeface="Calibri" charset="0"/>
+                  <a:ea typeface="Calibri" charset="0"/>
+                  <a:cs typeface="Calibri" charset="0"/>
+                </a:rPr>
+                <a:t>A class can contain both code and data, and it can choose to make some of its features publicly available, while keeping other features accessible only to code within the class. So classes offer a mechanism for encapsulation—they can define a clear public programming interface for other people to use, while keeping in­ </a:t>
+              </a:r>
+              <a:r>
+                <a:rPr lang="en-US" dirty="0" err="1">
+                  <a:solidFill>
+                    <a:schemeClr val="accent2">
+                      <a:lumMod val="50000"/>
+                    </a:schemeClr>
+                  </a:solidFill>
+                  <a:effectLst/>
+                  <a:latin typeface="Calibri" charset="0"/>
+                  <a:ea typeface="Calibri" charset="0"/>
+                  <a:cs typeface="Calibri" charset="0"/>
+                </a:rPr>
+                <a:t>ternal</a:t>
+              </a:r>
+              <a:r>
+                <a:rPr lang="en-US" dirty="0">
+                  <a:solidFill>
+                    <a:schemeClr val="accent2">
+                      <a:lumMod val="50000"/>
+                    </a:schemeClr>
+                  </a:solidFill>
+                  <a:effectLst/>
+                  <a:latin typeface="Calibri" charset="0"/>
+                  <a:ea typeface="Calibri" charset="0"/>
+                  <a:cs typeface="Calibri" charset="0"/>
+                </a:rPr>
+                <a:t> implementation details inaccessible. </a:t>
+              </a:r>
+            </a:p>
+          </p:txBody>
+        </p:sp>
+        <p:sp>
+          <p:nvSpPr>
+            <p:cNvPr id="12" name="Rounded Rectangle 11"/>
+            <p:cNvSpPr/>
+            <p:nvPr/>
+          </p:nvSpPr>
+          <p:spPr>
+            <a:xfrm>
+              <a:off x="381000" y="2611276"/>
+              <a:ext cx="4154100" cy="1528245"/>
+            </a:xfrm>
+            <a:prstGeom prst="roundRect">
+              <a:avLst/>
+            </a:prstGeom>
             <a:noFill/>
-          </a:ln>
-          <a:effectLst>
-            <a:glow rad="63500">
-              <a:schemeClr val="accent1">
-                <a:satMod val="175000"/>
-                <a:alpha val="40000"/>
-              </a:schemeClr>
-            </a:glow>
-          </a:effectLst>
-        </p:spPr>
-        <p:style>
-          <a:lnRef idx="1">
-            <a:schemeClr val="accent1"/>
-          </a:lnRef>
-          <a:fillRef idx="2">
-            <a:schemeClr val="accent1"/>
-          </a:fillRef>
-          <a:effectRef idx="1">
-            <a:schemeClr val="accent1"/>
-          </a:effectRef>
-          <a:fontRef idx="minor">
-            <a:schemeClr val="dk1"/>
-          </a:fontRef>
-        </p:style>
-        <p:txBody>
-          <a:bodyPr lIns="117416" tIns="58707" rIns="117416" bIns="58707" rtlCol="0" anchor="ctr"/>
-          <a:lstStyle/>
-          <a:p>
-            <a:pPr marL="106000" algn="just"/>
-            <a:endParaRPr lang="ru-RU"/>
-          </a:p>
-        </p:txBody>
-      </p:sp>
-      <p:sp>
-        <p:nvSpPr>
-          <p:cNvPr id="13" name="Flowchart: Document 12"/>
-          <p:cNvSpPr/>
-          <p:nvPr/>
-        </p:nvSpPr>
-        <p:spPr>
-          <a:xfrm>
-            <a:off x="544829" y="3861162"/>
-            <a:ext cx="2438400" cy="1528245"/>
-          </a:xfrm>
-          <a:prstGeom prst="flowChartDocument">
-            <a:avLst/>
-          </a:prstGeom>
-          <a:noFill/>
-          <a:ln>
+            <a:ln>
+              <a:noFill/>
+            </a:ln>
+            <a:effectLst>
+              <a:glow rad="63500">
+                <a:schemeClr val="accent1">
+                  <a:satMod val="175000"/>
+                  <a:alpha val="40000"/>
+                </a:schemeClr>
+              </a:glow>
+            </a:effectLst>
+          </p:spPr>
+          <p:style>
+            <a:lnRef idx="1">
+              <a:schemeClr val="accent1"/>
+            </a:lnRef>
+            <a:fillRef idx="2">
+              <a:schemeClr val="accent1"/>
+            </a:fillRef>
+            <a:effectRef idx="1">
+              <a:schemeClr val="accent1"/>
+            </a:effectRef>
+            <a:fontRef idx="minor">
+              <a:schemeClr val="dk1"/>
+            </a:fontRef>
+          </p:style>
+          <p:txBody>
+            <a:bodyPr lIns="117416" tIns="58707" rIns="117416" bIns="58707" rtlCol="0" anchor="ctr"/>
+            <a:lstStyle/>
+            <a:p>
+              <a:pPr marL="106000" algn="just"/>
+              <a:endParaRPr lang="ru-RU"/>
+            </a:p>
+          </p:txBody>
+        </p:sp>
+        <p:sp>
+          <p:nvSpPr>
+            <p:cNvPr id="13" name="Flowchart: Document 12"/>
+            <p:cNvSpPr/>
+            <p:nvPr/>
+          </p:nvSpPr>
+          <p:spPr>
+            <a:xfrm>
+              <a:off x="544829" y="3861162"/>
+              <a:ext cx="2438400" cy="1528245"/>
+            </a:xfrm>
+            <a:prstGeom prst="flowChartDocument">
+              <a:avLst/>
+            </a:prstGeom>
             <a:noFill/>
-          </a:ln>
-          <a:effectLst/>
-        </p:spPr>
-        <p:style>
-          <a:lnRef idx="2">
-            <a:schemeClr val="accent1"/>
-          </a:lnRef>
-          <a:fillRef idx="1">
-            <a:schemeClr val="lt1"/>
-          </a:fillRef>
-          <a:effectRef idx="0">
-            <a:schemeClr val="accent1"/>
-          </a:effectRef>
-          <a:fontRef idx="minor">
-            <a:schemeClr val="dk1"/>
-          </a:fontRef>
-        </p:style>
-        <p:txBody>
-          <a:bodyPr lIns="117416" tIns="58707" rIns="117416" bIns="58707" rtlCol="0" anchor="ctr"/>
-          <a:lstStyle/>
-          <a:p>
-            <a:pPr>
-              <a:defRPr/>
-            </a:pPr>
-            <a:r>
-              <a:rPr lang="ru-RU" b="1" dirty="0">
-                <a:solidFill>
-                  <a:schemeClr val="accent2">
-                    <a:lumMod val="50000"/>
-                  </a:schemeClr>
-                </a:solidFill>
-                <a:latin typeface="Consolas" pitchFamily="49" charset="0"/>
-                <a:cs typeface="Consolas" pitchFamily="49" charset="0"/>
-              </a:rPr>
-              <a:t>class</a:t>
-            </a:r>
-            <a:r>
-              <a:rPr lang="ru-RU" dirty="0">
-                <a:solidFill>
-                  <a:schemeClr val="accent2">
-                    <a:lumMod val="50000"/>
-                  </a:schemeClr>
-                </a:solidFill>
-                <a:latin typeface="Consolas" pitchFamily="49" charset="0"/>
-                <a:cs typeface="Consolas" pitchFamily="49" charset="0"/>
-              </a:rPr>
-              <a:t> </a:t>
-            </a:r>
-            <a:r>
-              <a:rPr lang="ru-RU" b="1" dirty="0">
-                <a:solidFill>
-                  <a:schemeClr val="accent2">
-                    <a:lumMod val="50000"/>
-                  </a:schemeClr>
-                </a:solidFill>
-                <a:latin typeface="Consolas" pitchFamily="49" charset="0"/>
-                <a:cs typeface="Consolas" pitchFamily="49" charset="0"/>
-              </a:rPr>
-              <a:t>House</a:t>
-            </a:r>
-          </a:p>
-          <a:p>
-            <a:pPr>
-              <a:defRPr/>
-            </a:pPr>
-            <a:r>
-              <a:rPr lang="ru-RU" dirty="0">
-                <a:solidFill>
-                  <a:schemeClr val="accent2">
-                    <a:lumMod val="50000"/>
-                  </a:schemeClr>
-                </a:solidFill>
-                <a:latin typeface="Consolas" pitchFamily="49" charset="0"/>
-                <a:cs typeface="Consolas" pitchFamily="49" charset="0"/>
-              </a:rPr>
-              <a:t>{</a:t>
-            </a:r>
-          </a:p>
-          <a:p>
-            <a:pPr>
-              <a:defRPr/>
-            </a:pPr>
-            <a:r>
-              <a:rPr lang="ru-RU" dirty="0">
-                <a:solidFill>
-                  <a:schemeClr val="accent2">
-                    <a:lumMod val="50000"/>
-                  </a:schemeClr>
-                </a:solidFill>
-                <a:latin typeface="Consolas" pitchFamily="49" charset="0"/>
-                <a:cs typeface="Consolas" pitchFamily="49" charset="0"/>
-              </a:rPr>
-              <a:t>   ...</a:t>
-            </a:r>
-          </a:p>
-          <a:p>
-            <a:pPr>
-              <a:defRPr/>
-            </a:pPr>
-            <a:r>
-              <a:rPr lang="ru-RU" dirty="0">
-                <a:solidFill>
-                  <a:schemeClr val="accent2">
-                    <a:lumMod val="50000"/>
-                  </a:schemeClr>
-                </a:solidFill>
-                <a:latin typeface="Consolas" pitchFamily="49" charset="0"/>
-                <a:cs typeface="Consolas" pitchFamily="49" charset="0"/>
-              </a:rPr>
-              <a:t>}</a:t>
-            </a:r>
-          </a:p>
-        </p:txBody>
-      </p:sp>
-      <p:sp>
-        <p:nvSpPr>
-          <p:cNvPr id="21" name="Rounded Rectangle 8"/>
-          <p:cNvSpPr/>
-          <p:nvPr/>
-        </p:nvSpPr>
-        <p:spPr>
-          <a:xfrm>
-            <a:off x="5752754" y="3980397"/>
-            <a:ext cx="3185872" cy="1658403"/>
-          </a:xfrm>
-          <a:prstGeom prst="roundRect">
-            <a:avLst/>
-          </a:prstGeom>
-          <a:noFill/>
-          <a:ln>
+            <a:ln>
+              <a:noFill/>
+            </a:ln>
+            <a:effectLst/>
+          </p:spPr>
+          <p:style>
+            <a:lnRef idx="2">
+              <a:schemeClr val="accent1"/>
+            </a:lnRef>
+            <a:fillRef idx="1">
+              <a:schemeClr val="lt1"/>
+            </a:fillRef>
+            <a:effectRef idx="0">
+              <a:schemeClr val="accent1"/>
+            </a:effectRef>
+            <a:fontRef idx="minor">
+              <a:schemeClr val="dk1"/>
+            </a:fontRef>
+          </p:style>
+          <p:txBody>
+            <a:bodyPr lIns="117416" tIns="58707" rIns="117416" bIns="58707" rtlCol="0" anchor="ctr"/>
+            <a:lstStyle/>
+            <a:p>
+              <a:pPr>
+                <a:defRPr/>
+              </a:pPr>
+              <a:r>
+                <a:rPr lang="ru-RU" b="1" dirty="0">
+                  <a:solidFill>
+                    <a:schemeClr val="accent2">
+                      <a:lumMod val="50000"/>
+                    </a:schemeClr>
+                  </a:solidFill>
+                  <a:latin typeface="Consolas" pitchFamily="49" charset="0"/>
+                  <a:cs typeface="Consolas" pitchFamily="49" charset="0"/>
+                </a:rPr>
+                <a:t>class</a:t>
+              </a:r>
+              <a:r>
+                <a:rPr lang="ru-RU" dirty="0">
+                  <a:solidFill>
+                    <a:schemeClr val="accent2">
+                      <a:lumMod val="50000"/>
+                    </a:schemeClr>
+                  </a:solidFill>
+                  <a:latin typeface="Consolas" pitchFamily="49" charset="0"/>
+                  <a:cs typeface="Consolas" pitchFamily="49" charset="0"/>
+                </a:rPr>
+                <a:t> </a:t>
+              </a:r>
+              <a:r>
+                <a:rPr lang="ru-RU" b="1" dirty="0">
+                  <a:solidFill>
+                    <a:schemeClr val="accent2">
+                      <a:lumMod val="50000"/>
+                    </a:schemeClr>
+                  </a:solidFill>
+                  <a:latin typeface="Consolas" pitchFamily="49" charset="0"/>
+                  <a:cs typeface="Consolas" pitchFamily="49" charset="0"/>
+                </a:rPr>
+                <a:t>House</a:t>
+              </a:r>
+            </a:p>
+            <a:p>
+              <a:pPr>
+                <a:defRPr/>
+              </a:pPr>
+              <a:r>
+                <a:rPr lang="ru-RU" dirty="0">
+                  <a:solidFill>
+                    <a:schemeClr val="accent2">
+                      <a:lumMod val="50000"/>
+                    </a:schemeClr>
+                  </a:solidFill>
+                  <a:latin typeface="Consolas" pitchFamily="49" charset="0"/>
+                  <a:cs typeface="Consolas" pitchFamily="49" charset="0"/>
+                </a:rPr>
+                <a:t>{</a:t>
+              </a:r>
+            </a:p>
+            <a:p>
+              <a:pPr>
+                <a:defRPr/>
+              </a:pPr>
+              <a:r>
+                <a:rPr lang="ru-RU" dirty="0">
+                  <a:solidFill>
+                    <a:schemeClr val="accent2">
+                      <a:lumMod val="50000"/>
+                    </a:schemeClr>
+                  </a:solidFill>
+                  <a:latin typeface="Consolas" pitchFamily="49" charset="0"/>
+                  <a:cs typeface="Consolas" pitchFamily="49" charset="0"/>
+                </a:rPr>
+                <a:t>   ...</a:t>
+              </a:r>
+            </a:p>
+            <a:p>
+              <a:pPr>
+                <a:defRPr/>
+              </a:pPr>
+              <a:r>
+                <a:rPr lang="ru-RU" dirty="0">
+                  <a:solidFill>
+                    <a:schemeClr val="accent2">
+                      <a:lumMod val="50000"/>
+                    </a:schemeClr>
+                  </a:solidFill>
+                  <a:latin typeface="Consolas" pitchFamily="49" charset="0"/>
+                  <a:cs typeface="Consolas" pitchFamily="49" charset="0"/>
+                </a:rPr>
+                <a:t>}</a:t>
+              </a:r>
+            </a:p>
+          </p:txBody>
+        </p:sp>
+        <p:sp>
+          <p:nvSpPr>
+            <p:cNvPr id="21" name="Rounded Rectangle 8"/>
+            <p:cNvSpPr/>
+            <p:nvPr/>
+          </p:nvSpPr>
+          <p:spPr>
+            <a:xfrm>
+              <a:off x="5752754" y="3980397"/>
+              <a:ext cx="3185872" cy="1658403"/>
+            </a:xfrm>
+            <a:prstGeom prst="roundRect">
+              <a:avLst/>
+            </a:prstGeom>
             <a:noFill/>
-          </a:ln>
-          <a:effectLst/>
-        </p:spPr>
-        <p:style>
-          <a:lnRef idx="1">
-            <a:schemeClr val="accent1"/>
-          </a:lnRef>
-          <a:fillRef idx="2">
-            <a:schemeClr val="accent1"/>
-          </a:fillRef>
-          <a:effectRef idx="1">
-            <a:schemeClr val="accent1"/>
-          </a:effectRef>
-          <a:fontRef idx="minor">
-            <a:schemeClr val="dk1"/>
-          </a:fontRef>
-        </p:style>
-        <p:txBody>
-          <a:bodyPr lIns="117416" tIns="58707" rIns="117416" bIns="58707" rtlCol="0" anchor="ctr"/>
-          <a:lstStyle/>
-          <a:p>
-            <a:pPr algn="just"/>
-            <a:r>
-              <a:rPr lang="en-US" dirty="0">
-                <a:solidFill>
-                  <a:schemeClr val="accent2">
-                    <a:lumMod val="50000"/>
-                  </a:schemeClr>
-                </a:solidFill>
-                <a:latin typeface="Bradley Hand" charset="0"/>
-                <a:ea typeface="Bradley Hand" charset="0"/>
-                <a:cs typeface="Bradley Hand" charset="0"/>
-              </a:rPr>
-              <a:t>Class definitions always contain the class keyword followed by the name of the class </a:t>
-            </a:r>
-          </a:p>
-        </p:txBody>
-      </p:sp>
-      <p:cxnSp>
-        <p:nvCxnSpPr>
-          <p:cNvPr id="16" name="Прямая со стрелкой 5"/>
-          <p:cNvCxnSpPr>
-            <a:stCxn id="21" idx="1"/>
-          </p:cNvCxnSpPr>
-          <p:nvPr/>
-        </p:nvCxnSpPr>
-        <p:spPr>
-          <a:xfrm flipH="1" flipV="1">
-            <a:off x="1143000" y="4254330"/>
-            <a:ext cx="4609754" cy="555269"/>
-          </a:xfrm>
-          <a:prstGeom prst="straightConnector1">
-            <a:avLst/>
-          </a:prstGeom>
-          <a:ln w="28575">
-            <a:solidFill>
-              <a:schemeClr val="accent2">
-                <a:lumMod val="50000"/>
-              </a:schemeClr>
-            </a:solidFill>
-            <a:prstDash val="sysDot"/>
-            <a:headEnd type="none" w="med" len="med"/>
-            <a:tailEnd type="arrow" w="med" len="med"/>
-          </a:ln>
-          <a:effectLst/>
-        </p:spPr>
-        <p:style>
-          <a:lnRef idx="2">
-            <a:schemeClr val="accent1"/>
-          </a:lnRef>
-          <a:fillRef idx="0">
-            <a:schemeClr val="accent1"/>
-          </a:fillRef>
-          <a:effectRef idx="1">
-            <a:schemeClr val="accent1"/>
-          </a:effectRef>
-          <a:fontRef idx="minor">
-            <a:schemeClr val="tx1"/>
-          </a:fontRef>
-        </p:style>
-      </p:cxnSp>
+            <a:ln>
+              <a:noFill/>
+            </a:ln>
+            <a:effectLst/>
+          </p:spPr>
+          <p:style>
+            <a:lnRef idx="1">
+              <a:schemeClr val="accent1"/>
+            </a:lnRef>
+            <a:fillRef idx="2">
+              <a:schemeClr val="accent1"/>
+            </a:fillRef>
+            <a:effectRef idx="1">
+              <a:schemeClr val="accent1"/>
+            </a:effectRef>
+            <a:fontRef idx="minor">
+              <a:schemeClr val="dk1"/>
+            </a:fontRef>
+          </p:style>
+          <p:txBody>
+            <a:bodyPr lIns="117416" tIns="58707" rIns="117416" bIns="58707" rtlCol="0" anchor="ctr"/>
+            <a:lstStyle/>
+            <a:p>
+              <a:pPr algn="just"/>
+              <a:r>
+                <a:rPr lang="en-US" dirty="0">
+                  <a:solidFill>
+                    <a:schemeClr val="accent2">
+                      <a:lumMod val="50000"/>
+                    </a:schemeClr>
+                  </a:solidFill>
+                  <a:latin typeface="Bradley Hand" charset="0"/>
+                  <a:ea typeface="Bradley Hand" charset="0"/>
+                  <a:cs typeface="Bradley Hand" charset="0"/>
+                </a:rPr>
+                <a:t>Class definitions always contain the class keyword followed by the name of the class </a:t>
+              </a:r>
+            </a:p>
+          </p:txBody>
+        </p:sp>
+        <p:cxnSp>
+          <p:nvCxnSpPr>
+            <p:cNvPr id="16" name="Прямая со стрелкой 5"/>
+            <p:cNvCxnSpPr>
+              <a:stCxn id="21" idx="1"/>
+            </p:cNvCxnSpPr>
+            <p:nvPr/>
+          </p:nvCxnSpPr>
+          <p:spPr>
+            <a:xfrm flipH="1" flipV="1">
+              <a:off x="1143000" y="4254330"/>
+              <a:ext cx="4609754" cy="555269"/>
+            </a:xfrm>
+            <a:prstGeom prst="straightConnector1">
+              <a:avLst/>
+            </a:prstGeom>
+            <a:ln w="28575">
+              <a:solidFill>
+                <a:schemeClr val="accent2">
+                  <a:lumMod val="50000"/>
+                </a:schemeClr>
+              </a:solidFill>
+              <a:prstDash val="sysDot"/>
+              <a:headEnd type="none" w="med" len="med"/>
+              <a:tailEnd type="arrow" w="med" len="med"/>
+            </a:ln>
+            <a:effectLst/>
+          </p:spPr>
+          <p:style>
+            <a:lnRef idx="2">
+              <a:schemeClr val="accent1"/>
+            </a:lnRef>
+            <a:fillRef idx="0">
+              <a:schemeClr val="accent1"/>
+            </a:fillRef>
+            <a:effectRef idx="1">
+              <a:schemeClr val="accent1"/>
+            </a:effectRef>
+            <a:fontRef idx="minor">
+              <a:schemeClr val="tx1"/>
+            </a:fontRef>
+          </p:style>
+        </p:cxnSp>
+      </p:grpSp>
     </p:spTree>
     <p:extLst>
       <p:ext uri="{BB962C8B-B14F-4D97-AF65-F5344CB8AC3E}">
@@ -24148,569 +24191,584 @@
           </a:p>
         </p:txBody>
       </p:sp>
-      <p:sp>
-        <p:nvSpPr>
-          <p:cNvPr id="13" name="Flowchart: Document 12"/>
-          <p:cNvSpPr/>
+      <p:grpSp>
+        <p:nvGrpSpPr>
+          <p:cNvPr id="3" name="Group 2"/>
+          <p:cNvGrpSpPr/>
           <p:nvPr/>
-        </p:nvSpPr>
-        <p:spPr>
+        </p:nvGrpSpPr>
+        <p:grpSpPr>
           <a:xfrm>
             <a:off x="228600" y="1066800"/>
-            <a:ext cx="8686800" cy="2983468"/>
+            <a:ext cx="8686800" cy="3656109"/>
+            <a:chOff x="228600" y="1066800"/>
+            <a:chExt cx="8686800" cy="3656109"/>
           </a:xfrm>
-          <a:prstGeom prst="flowChartDocument">
-            <a:avLst/>
-          </a:prstGeom>
-          <a:solidFill>
-            <a:schemeClr val="bg1"/>
-          </a:solidFill>
-          <a:ln>
-            <a:noFill/>
-          </a:ln>
-          <a:effectLst/>
-        </p:spPr>
-        <p:style>
-          <a:lnRef idx="2">
-            <a:schemeClr val="accent1"/>
-          </a:lnRef>
-          <a:fillRef idx="1">
-            <a:schemeClr val="lt1"/>
-          </a:fillRef>
-          <a:effectRef idx="0">
-            <a:schemeClr val="accent1"/>
-          </a:effectRef>
-          <a:fontRef idx="minor">
-            <a:schemeClr val="dk1"/>
-          </a:fontRef>
-        </p:style>
-        <p:txBody>
-          <a:bodyPr lIns="117416" tIns="58707" rIns="117416" bIns="58707" rtlCol="0" anchor="ctr"/>
-          <a:lstStyle/>
-          <a:p>
-            <a:pPr>
-              <a:defRPr/>
-            </a:pPr>
-            <a:endParaRPr lang="en-US" dirty="0">
+        </p:grpSpPr>
+        <p:sp>
+          <p:nvSpPr>
+            <p:cNvPr id="13" name="Flowchart: Document 12"/>
+            <p:cNvSpPr/>
+            <p:nvPr/>
+          </p:nvSpPr>
+          <p:spPr>
+            <a:xfrm>
+              <a:off x="228600" y="1066800"/>
+              <a:ext cx="8686800" cy="2983468"/>
+            </a:xfrm>
+            <a:prstGeom prst="flowChartDocument">
+              <a:avLst/>
+            </a:prstGeom>
+            <a:solidFill>
+              <a:schemeClr val="bg1"/>
+            </a:solidFill>
+            <a:ln>
+              <a:noFill/>
+            </a:ln>
+            <a:effectLst/>
+          </p:spPr>
+          <p:style>
+            <a:lnRef idx="2">
+              <a:schemeClr val="accent1"/>
+            </a:lnRef>
+            <a:fillRef idx="1">
+              <a:schemeClr val="lt1"/>
+            </a:fillRef>
+            <a:effectRef idx="0">
+              <a:schemeClr val="accent1"/>
+            </a:effectRef>
+            <a:fontRef idx="minor">
+              <a:schemeClr val="dk1"/>
+            </a:fontRef>
+          </p:style>
+          <p:txBody>
+            <a:bodyPr lIns="117416" tIns="58707" rIns="117416" bIns="58707" rtlCol="0" anchor="ctr"/>
+            <a:lstStyle/>
+            <a:p>
+              <a:pPr>
+                <a:defRPr/>
+              </a:pPr>
+              <a:endParaRPr lang="en-US" dirty="0">
+                <a:solidFill>
+                  <a:schemeClr val="accent2">
+                    <a:lumMod val="50000"/>
+                  </a:schemeClr>
+                </a:solidFill>
+                <a:latin typeface="Consolas" pitchFamily="49" charset="0"/>
+                <a:cs typeface="Consolas" pitchFamily="49" charset="0"/>
+              </a:endParaRPr>
+            </a:p>
+            <a:p>
+              <a:pPr>
+                <a:defRPr/>
+              </a:pPr>
+              <a:r>
+                <a:rPr lang="en-US" dirty="0" smtClean="0">
+                  <a:solidFill>
+                    <a:schemeClr val="accent2">
+                      <a:lumMod val="50000"/>
+                    </a:schemeClr>
+                  </a:solidFill>
+                  <a:latin typeface="Consolas" pitchFamily="49" charset="0"/>
+                  <a:cs typeface="Consolas" pitchFamily="49" charset="0"/>
+                </a:rPr>
+                <a:t>[</a:t>
+              </a:r>
+              <a:r>
+                <a:rPr lang="en-US" dirty="0">
+                  <a:solidFill>
+                    <a:schemeClr val="accent2">
+                      <a:lumMod val="50000"/>
+                    </a:schemeClr>
+                  </a:solidFill>
+                  <a:latin typeface="Consolas" charset="0"/>
+                  <a:ea typeface="Consolas" charset="0"/>
+                  <a:cs typeface="Consolas" charset="0"/>
+                </a:rPr>
+                <a:t>Attributes</a:t>
+              </a:r>
+              <a:r>
+                <a:rPr lang="en-US" dirty="0" smtClean="0">
+                  <a:solidFill>
+                    <a:schemeClr val="accent2">
+                      <a:lumMod val="50000"/>
+                    </a:schemeClr>
+                  </a:solidFill>
+                  <a:latin typeface="Consolas" pitchFamily="49" charset="0"/>
+                  <a:cs typeface="Consolas" pitchFamily="49" charset="0"/>
+                </a:rPr>
+                <a:t>]</a:t>
+              </a:r>
+              <a:endParaRPr lang="en-US" dirty="0">
+                <a:solidFill>
+                  <a:schemeClr val="accent2">
+                    <a:lumMod val="50000"/>
+                  </a:schemeClr>
+                </a:solidFill>
+                <a:latin typeface="Consolas" pitchFamily="49" charset="0"/>
+                <a:cs typeface="Consolas" pitchFamily="49" charset="0"/>
+              </a:endParaRPr>
+            </a:p>
+            <a:p>
+              <a:r>
+                <a:rPr lang="en-US" dirty="0" smtClean="0">
+                  <a:solidFill>
+                    <a:schemeClr val="accent2">
+                      <a:lumMod val="50000"/>
+                    </a:schemeClr>
+                  </a:solidFill>
+                  <a:latin typeface="Consolas" pitchFamily="49" charset="0"/>
+                  <a:cs typeface="Consolas" pitchFamily="49" charset="0"/>
+                </a:rPr>
+                <a:t>[Class modifiers] </a:t>
+              </a:r>
+              <a:r>
+                <a:rPr lang="ru-RU" b="1" dirty="0" err="1">
+                  <a:solidFill>
+                    <a:schemeClr val="accent2">
+                      <a:lumMod val="50000"/>
+                    </a:schemeClr>
+                  </a:solidFill>
+                  <a:latin typeface="Consolas" pitchFamily="49" charset="0"/>
+                  <a:cs typeface="Consolas" pitchFamily="49" charset="0"/>
+                </a:rPr>
+                <a:t>class</a:t>
+              </a:r>
+              <a:r>
+                <a:rPr lang="ru-RU" b="1" dirty="0">
+                  <a:solidFill>
+                    <a:schemeClr val="accent2">
+                      <a:lumMod val="50000"/>
+                    </a:schemeClr>
+                  </a:solidFill>
+                  <a:latin typeface="Consolas" pitchFamily="49" charset="0"/>
+                  <a:cs typeface="Consolas" pitchFamily="49" charset="0"/>
+                </a:rPr>
+                <a:t> </a:t>
+              </a:r>
+              <a:r>
+                <a:rPr lang="en-US" b="1" dirty="0" err="1">
+                  <a:solidFill>
+                    <a:schemeClr val="accent2">
+                      <a:lumMod val="50000"/>
+                    </a:schemeClr>
+                  </a:solidFill>
+                  <a:latin typeface="Consolas" pitchFamily="49" charset="0"/>
+                  <a:cs typeface="Consolas" pitchFamily="49" charset="0"/>
+                </a:rPr>
+                <a:t>ClassName</a:t>
+              </a:r>
+              <a:r>
+                <a:rPr lang="en-US" b="1" dirty="0">
+                  <a:solidFill>
+                    <a:schemeClr val="accent2">
+                      <a:lumMod val="50000"/>
+                    </a:schemeClr>
+                  </a:solidFill>
+                  <a:latin typeface="Consolas" pitchFamily="49" charset="0"/>
+                  <a:cs typeface="Consolas" pitchFamily="49" charset="0"/>
+                </a:rPr>
+                <a:t> </a:t>
+              </a:r>
+              <a:r>
+                <a:rPr lang="en-US" dirty="0" smtClean="0">
+                  <a:solidFill>
+                    <a:schemeClr val="accent2">
+                      <a:lumMod val="50000"/>
+                    </a:schemeClr>
+                  </a:solidFill>
+                  <a:latin typeface="Consolas" pitchFamily="49" charset="0"/>
+                  <a:cs typeface="Consolas" pitchFamily="49" charset="0"/>
+                </a:rPr>
+                <a:t>[</a:t>
+              </a:r>
+              <a:r>
+                <a:rPr lang="en-US" dirty="0">
+                  <a:solidFill>
+                    <a:schemeClr val="accent2">
+                      <a:lumMod val="50000"/>
+                    </a:schemeClr>
+                  </a:solidFill>
+                  <a:latin typeface="Consolas" charset="0"/>
+                  <a:ea typeface="Consolas" charset="0"/>
+                  <a:cs typeface="Consolas" charset="0"/>
+                </a:rPr>
+                <a:t>Generic type parameters, a base </a:t>
+              </a:r>
+              <a:r>
+                <a:rPr lang="en-US" dirty="0" smtClean="0">
+                  <a:solidFill>
+                    <a:schemeClr val="accent2">
+                      <a:lumMod val="50000"/>
+                    </a:schemeClr>
+                  </a:solidFill>
+                  <a:latin typeface="Consolas" charset="0"/>
+                  <a:ea typeface="Consolas" charset="0"/>
+                  <a:cs typeface="Consolas" charset="0"/>
+                </a:rPr>
+                <a:t>					class</a:t>
+              </a:r>
+              <a:r>
+                <a:rPr lang="en-US" dirty="0">
+                  <a:solidFill>
+                    <a:schemeClr val="accent2">
+                      <a:lumMod val="50000"/>
+                    </a:schemeClr>
+                  </a:solidFill>
+                  <a:latin typeface="Consolas" charset="0"/>
+                  <a:ea typeface="Consolas" charset="0"/>
+                  <a:cs typeface="Consolas" charset="0"/>
+                </a:rPr>
+                <a:t>, and </a:t>
+              </a:r>
+              <a:r>
+                <a:rPr lang="en-US" dirty="0" smtClean="0">
+                  <a:solidFill>
+                    <a:schemeClr val="accent2">
+                      <a:lumMod val="50000"/>
+                    </a:schemeClr>
+                  </a:solidFill>
+                  <a:latin typeface="Consolas" charset="0"/>
+                  <a:ea typeface="Consolas" charset="0"/>
+                  <a:cs typeface="Consolas" charset="0"/>
+                </a:rPr>
+                <a:t>interfaces</a:t>
+              </a:r>
+              <a:r>
+                <a:rPr lang="en-US" dirty="0" smtClean="0">
+                  <a:solidFill>
+                    <a:schemeClr val="accent2">
+                      <a:lumMod val="50000"/>
+                    </a:schemeClr>
+                  </a:solidFill>
+                  <a:latin typeface="Consolas" pitchFamily="49" charset="0"/>
+                  <a:cs typeface="Consolas" pitchFamily="49" charset="0"/>
+                </a:rPr>
+                <a:t>] </a:t>
+              </a:r>
+              <a:endParaRPr lang="ru-RU" dirty="0">
+                <a:solidFill>
+                  <a:schemeClr val="accent2">
+                    <a:lumMod val="50000"/>
+                  </a:schemeClr>
+                </a:solidFill>
+                <a:latin typeface="Consolas" pitchFamily="49" charset="0"/>
+                <a:cs typeface="Consolas" pitchFamily="49" charset="0"/>
+              </a:endParaRPr>
+            </a:p>
+            <a:p>
+              <a:pPr>
+                <a:defRPr/>
+              </a:pPr>
+              <a:r>
+                <a:rPr lang="ru-RU" dirty="0">
+                  <a:solidFill>
+                    <a:schemeClr val="accent2">
+                      <a:lumMod val="50000"/>
+                    </a:schemeClr>
+                  </a:solidFill>
+                  <a:latin typeface="Consolas" pitchFamily="49" charset="0"/>
+                  <a:cs typeface="Consolas" pitchFamily="49" charset="0"/>
+                </a:rPr>
+                <a:t>{</a:t>
+              </a:r>
+            </a:p>
+            <a:p>
+              <a:r>
+                <a:rPr lang="en-US" dirty="0" smtClean="0">
+                  <a:solidFill>
+                    <a:schemeClr val="accent2">
+                      <a:lumMod val="50000"/>
+                    </a:schemeClr>
+                  </a:solidFill>
+                  <a:latin typeface="Consolas" panose="020B0609020204030204" pitchFamily="49" charset="0"/>
+                  <a:cs typeface="Consolas" panose="020B0609020204030204" pitchFamily="49" charset="0"/>
+                </a:rPr>
+                <a:t>    	Class members</a:t>
+              </a:r>
+              <a:r>
+                <a:rPr lang="ru-RU" dirty="0" smtClean="0">
+                  <a:solidFill>
+                    <a:schemeClr val="accent2">
+                      <a:lumMod val="50000"/>
+                    </a:schemeClr>
+                  </a:solidFill>
+                  <a:latin typeface="Consolas" panose="020B0609020204030204" pitchFamily="49" charset="0"/>
+                  <a:cs typeface="Consolas" panose="020B0609020204030204" pitchFamily="49" charset="0"/>
+                </a:rPr>
+                <a:t> </a:t>
+              </a:r>
+              <a:r>
+                <a:rPr lang="en-US" dirty="0" smtClean="0">
+                  <a:solidFill>
+                    <a:schemeClr val="accent2">
+                      <a:lumMod val="50000"/>
+                    </a:schemeClr>
+                  </a:solidFill>
+                  <a:latin typeface="Consolas" panose="020B0609020204030204" pitchFamily="49" charset="0"/>
+                  <a:cs typeface="Consolas" panose="020B0609020204030204" pitchFamily="49" charset="0"/>
+                </a:rPr>
+                <a:t>– </a:t>
+              </a:r>
+              <a:r>
+                <a:rPr lang="en-US" dirty="0">
+                  <a:solidFill>
+                    <a:schemeClr val="accent2">
+                      <a:lumMod val="50000"/>
+                    </a:schemeClr>
+                  </a:solidFill>
+                  <a:latin typeface="Consolas" charset="0"/>
+                  <a:ea typeface="Consolas" charset="0"/>
+                  <a:cs typeface="Consolas" charset="0"/>
+                </a:rPr>
+                <a:t>these are methods, properties, indexers, </a:t>
+              </a:r>
+              <a:r>
+                <a:rPr lang="en-US" dirty="0" smtClean="0">
+                  <a:solidFill>
+                    <a:schemeClr val="accent2">
+                      <a:lumMod val="50000"/>
+                    </a:schemeClr>
+                  </a:solidFill>
+                  <a:latin typeface="Consolas" charset="0"/>
+                  <a:ea typeface="Consolas" charset="0"/>
+                  <a:cs typeface="Consolas" charset="0"/>
+                </a:rPr>
+                <a:t>			events</a:t>
+              </a:r>
+              <a:r>
+                <a:rPr lang="en-US" dirty="0">
+                  <a:solidFill>
+                    <a:schemeClr val="accent2">
+                      <a:lumMod val="50000"/>
+                    </a:schemeClr>
+                  </a:solidFill>
+                  <a:latin typeface="Consolas" charset="0"/>
+                  <a:ea typeface="Consolas" charset="0"/>
+                  <a:cs typeface="Consolas" charset="0"/>
+                </a:rPr>
+                <a:t>, </a:t>
+              </a:r>
+              <a:r>
+                <a:rPr lang="en-US" dirty="0" smtClean="0">
+                  <a:solidFill>
+                    <a:schemeClr val="accent2">
+                      <a:lumMod val="50000"/>
+                    </a:schemeClr>
+                  </a:solidFill>
+                  <a:latin typeface="Consolas" charset="0"/>
+                  <a:ea typeface="Consolas" charset="0"/>
+                  <a:cs typeface="Consolas" charset="0"/>
+                </a:rPr>
+                <a:t>fields</a:t>
+              </a:r>
+              <a:r>
+                <a:rPr lang="en-US" dirty="0">
+                  <a:solidFill>
+                    <a:schemeClr val="accent2">
+                      <a:lumMod val="50000"/>
+                    </a:schemeClr>
+                  </a:solidFill>
+                  <a:latin typeface="Consolas" charset="0"/>
+                  <a:ea typeface="Consolas" charset="0"/>
+                  <a:cs typeface="Consolas" charset="0"/>
+                </a:rPr>
+                <a:t>, </a:t>
+              </a:r>
+              <a:r>
+                <a:rPr lang="en-US" dirty="0" smtClean="0">
+                  <a:solidFill>
+                    <a:schemeClr val="accent2">
+                      <a:lumMod val="50000"/>
+                    </a:schemeClr>
+                  </a:solidFill>
+                  <a:latin typeface="Consolas" charset="0"/>
+                  <a:ea typeface="Consolas" charset="0"/>
+                  <a:cs typeface="Consolas" charset="0"/>
+                </a:rPr>
+                <a:t>constructors</a:t>
+              </a:r>
+              <a:r>
+                <a:rPr lang="en-US" dirty="0">
+                  <a:solidFill>
+                    <a:schemeClr val="accent2">
+                      <a:lumMod val="50000"/>
+                    </a:schemeClr>
+                  </a:solidFill>
+                  <a:latin typeface="Consolas" charset="0"/>
+                  <a:ea typeface="Consolas" charset="0"/>
+                  <a:cs typeface="Consolas" charset="0"/>
+                </a:rPr>
+                <a:t>, overloaded operators, </a:t>
+              </a:r>
+              <a:r>
+                <a:rPr lang="en-US" dirty="0" smtClean="0">
+                  <a:solidFill>
+                    <a:schemeClr val="accent2">
+                      <a:lumMod val="50000"/>
+                    </a:schemeClr>
+                  </a:solidFill>
+                  <a:latin typeface="Consolas" charset="0"/>
+                  <a:ea typeface="Consolas" charset="0"/>
+                  <a:cs typeface="Consolas" charset="0"/>
+                </a:rPr>
+                <a:t>		nested </a:t>
+              </a:r>
+              <a:r>
+                <a:rPr lang="en-US" dirty="0">
+                  <a:solidFill>
+                    <a:schemeClr val="accent2">
+                      <a:lumMod val="50000"/>
+                    </a:schemeClr>
+                  </a:solidFill>
+                  <a:latin typeface="Consolas" charset="0"/>
+                  <a:ea typeface="Consolas" charset="0"/>
+                  <a:cs typeface="Consolas" charset="0"/>
+                </a:rPr>
+                <a:t>types, and a </a:t>
+              </a:r>
+              <a:r>
+                <a:rPr lang="en-US" dirty="0" err="1" smtClean="0">
+                  <a:solidFill>
+                    <a:schemeClr val="accent2">
+                      <a:lumMod val="50000"/>
+                    </a:schemeClr>
+                  </a:solidFill>
+                  <a:latin typeface="Consolas" charset="0"/>
+                  <a:ea typeface="Consolas" charset="0"/>
+                  <a:cs typeface="Consolas" charset="0"/>
+                </a:rPr>
+                <a:t>finalizer</a:t>
+              </a:r>
+              <a:r>
+                <a:rPr lang="en-US" dirty="0" smtClean="0">
+                  <a:solidFill>
+                    <a:schemeClr val="accent2">
+                      <a:lumMod val="50000"/>
+                    </a:schemeClr>
+                  </a:solidFill>
+                </a:rPr>
+                <a:t> </a:t>
+              </a:r>
+              <a:endParaRPr lang="en-US" dirty="0">
+                <a:solidFill>
+                  <a:schemeClr val="accent2">
+                    <a:lumMod val="50000"/>
+                  </a:schemeClr>
+                </a:solidFill>
+              </a:endParaRPr>
+            </a:p>
+            <a:p>
+              <a:pPr>
+                <a:defRPr/>
+              </a:pPr>
+              <a:endParaRPr lang="ru-RU" dirty="0">
+                <a:solidFill>
+                  <a:schemeClr val="accent2">
+                    <a:lumMod val="50000"/>
+                  </a:schemeClr>
+                </a:solidFill>
+                <a:latin typeface="Consolas" panose="020B0609020204030204" pitchFamily="49" charset="0"/>
+                <a:cs typeface="Consolas" panose="020B0609020204030204" pitchFamily="49" charset="0"/>
+              </a:endParaRPr>
+            </a:p>
+            <a:p>
+              <a:pPr>
+                <a:defRPr/>
+              </a:pPr>
+              <a:r>
+                <a:rPr lang="ru-RU" dirty="0">
+                  <a:solidFill>
+                    <a:schemeClr val="accent2">
+                      <a:lumMod val="50000"/>
+                    </a:schemeClr>
+                  </a:solidFill>
+                  <a:latin typeface="Consolas" panose="020B0609020204030204" pitchFamily="49" charset="0"/>
+                  <a:cs typeface="Consolas" panose="020B0609020204030204" pitchFamily="49" charset="0"/>
+                </a:rPr>
+                <a:t>}</a:t>
+              </a:r>
+            </a:p>
+          </p:txBody>
+        </p:sp>
+        <p:sp>
+          <p:nvSpPr>
+            <p:cNvPr id="4" name="Прямоугольник 3"/>
+            <p:cNvSpPr/>
+            <p:nvPr/>
+          </p:nvSpPr>
+          <p:spPr>
+            <a:xfrm>
+              <a:off x="228600" y="4353577"/>
+              <a:ext cx="7620000" cy="369332"/>
+            </a:xfrm>
+            <a:prstGeom prst="rect">
+              <a:avLst/>
+            </a:prstGeom>
+          </p:spPr>
+          <p:txBody>
+            <a:bodyPr wrap="square">
+              <a:spAutoFit/>
+            </a:bodyPr>
+            <a:lstStyle/>
+            <a:p>
+              <a:r>
+                <a:rPr lang="en-US" dirty="0">
+                  <a:solidFill>
+                    <a:schemeClr val="accent2">
+                      <a:lumMod val="50000"/>
+                    </a:schemeClr>
+                  </a:solidFill>
+                  <a:latin typeface="Consolas" panose="020B0609020204030204" pitchFamily="49" charset="0"/>
+                  <a:cs typeface="Consolas" panose="020B0609020204030204" pitchFamily="49" charset="0"/>
+                </a:rPr>
+                <a:t>public, internal, abstract, sealed, static, unsafe, partial</a:t>
+              </a:r>
+            </a:p>
+          </p:txBody>
+        </p:sp>
+        <p:cxnSp>
+          <p:nvCxnSpPr>
+            <p:cNvPr id="6" name="Прямая со стрелкой 5"/>
+            <p:cNvCxnSpPr/>
+            <p:nvPr/>
+          </p:nvCxnSpPr>
+          <p:spPr>
+            <a:xfrm flipH="1" flipV="1">
+              <a:off x="1219200" y="1752601"/>
+              <a:ext cx="2057400" cy="2514599"/>
+            </a:xfrm>
+            <a:prstGeom prst="straightConnector1">
+              <a:avLst/>
+            </a:prstGeom>
+            <a:ln w="28575">
               <a:solidFill>
-                <a:schemeClr val="accent2">
+                <a:schemeClr val="accent3">
                   <a:lumMod val="50000"/>
                 </a:schemeClr>
               </a:solidFill>
-              <a:latin typeface="Consolas" pitchFamily="49" charset="0"/>
-              <a:cs typeface="Consolas" pitchFamily="49" charset="0"/>
-            </a:endParaRPr>
-          </a:p>
-          <a:p>
-            <a:pPr>
-              <a:defRPr/>
-            </a:pPr>
-            <a:r>
-              <a:rPr lang="en-US" dirty="0" smtClean="0">
-                <a:solidFill>
-                  <a:schemeClr val="accent2">
-                    <a:lumMod val="50000"/>
-                  </a:schemeClr>
-                </a:solidFill>
-                <a:latin typeface="Consolas" pitchFamily="49" charset="0"/>
-                <a:cs typeface="Consolas" pitchFamily="49" charset="0"/>
-              </a:rPr>
-              <a:t>[</a:t>
-            </a:r>
-            <a:r>
-              <a:rPr lang="en-US" dirty="0">
-                <a:solidFill>
-                  <a:schemeClr val="accent2">
-                    <a:lumMod val="50000"/>
-                  </a:schemeClr>
-                </a:solidFill>
-                <a:latin typeface="Consolas" charset="0"/>
-                <a:ea typeface="Consolas" charset="0"/>
-                <a:cs typeface="Consolas" charset="0"/>
-              </a:rPr>
-              <a:t>Attributes</a:t>
-            </a:r>
-            <a:r>
-              <a:rPr lang="en-US" dirty="0" smtClean="0">
-                <a:solidFill>
-                  <a:schemeClr val="accent2">
-                    <a:lumMod val="50000"/>
-                  </a:schemeClr>
-                </a:solidFill>
-                <a:latin typeface="Consolas" pitchFamily="49" charset="0"/>
-                <a:cs typeface="Consolas" pitchFamily="49" charset="0"/>
-              </a:rPr>
-              <a:t>]</a:t>
-            </a:r>
-            <a:endParaRPr lang="en-US" dirty="0">
-              <a:solidFill>
-                <a:schemeClr val="accent2">
-                  <a:lumMod val="50000"/>
-                </a:schemeClr>
-              </a:solidFill>
-              <a:latin typeface="Consolas" pitchFamily="49" charset="0"/>
-              <a:cs typeface="Consolas" pitchFamily="49" charset="0"/>
-            </a:endParaRPr>
-          </a:p>
-          <a:p>
-            <a:r>
-              <a:rPr lang="en-US" dirty="0" smtClean="0">
-                <a:solidFill>
-                  <a:schemeClr val="accent2">
-                    <a:lumMod val="50000"/>
-                  </a:schemeClr>
-                </a:solidFill>
-                <a:latin typeface="Consolas" pitchFamily="49" charset="0"/>
-                <a:cs typeface="Consolas" pitchFamily="49" charset="0"/>
-              </a:rPr>
-              <a:t>[Class modifiers] </a:t>
-            </a:r>
-            <a:r>
-              <a:rPr lang="ru-RU" b="1" dirty="0" err="1">
-                <a:solidFill>
-                  <a:schemeClr val="accent2">
-                    <a:lumMod val="50000"/>
-                  </a:schemeClr>
-                </a:solidFill>
-                <a:latin typeface="Consolas" pitchFamily="49" charset="0"/>
-                <a:cs typeface="Consolas" pitchFamily="49" charset="0"/>
-              </a:rPr>
-              <a:t>class</a:t>
-            </a:r>
-            <a:r>
-              <a:rPr lang="ru-RU" b="1" dirty="0">
-                <a:solidFill>
-                  <a:schemeClr val="accent2">
-                    <a:lumMod val="50000"/>
-                  </a:schemeClr>
-                </a:solidFill>
-                <a:latin typeface="Consolas" pitchFamily="49" charset="0"/>
-                <a:cs typeface="Consolas" pitchFamily="49" charset="0"/>
-              </a:rPr>
-              <a:t> </a:t>
-            </a:r>
-            <a:r>
-              <a:rPr lang="en-US" b="1" dirty="0" err="1">
-                <a:solidFill>
-                  <a:schemeClr val="accent2">
-                    <a:lumMod val="50000"/>
-                  </a:schemeClr>
-                </a:solidFill>
-                <a:latin typeface="Consolas" pitchFamily="49" charset="0"/>
-                <a:cs typeface="Consolas" pitchFamily="49" charset="0"/>
-              </a:rPr>
-              <a:t>ClassName</a:t>
-            </a:r>
-            <a:r>
-              <a:rPr lang="en-US" b="1" dirty="0">
-                <a:solidFill>
-                  <a:schemeClr val="accent2">
-                    <a:lumMod val="50000"/>
-                  </a:schemeClr>
-                </a:solidFill>
-                <a:latin typeface="Consolas" pitchFamily="49" charset="0"/>
-                <a:cs typeface="Consolas" pitchFamily="49" charset="0"/>
-              </a:rPr>
-              <a:t> </a:t>
-            </a:r>
-            <a:r>
-              <a:rPr lang="en-US" dirty="0" smtClean="0">
-                <a:solidFill>
-                  <a:schemeClr val="accent2">
-                    <a:lumMod val="50000"/>
-                  </a:schemeClr>
-                </a:solidFill>
-                <a:latin typeface="Consolas" pitchFamily="49" charset="0"/>
-                <a:cs typeface="Consolas" pitchFamily="49" charset="0"/>
-              </a:rPr>
-              <a:t>[</a:t>
-            </a:r>
-            <a:r>
-              <a:rPr lang="en-US" dirty="0">
-                <a:solidFill>
-                  <a:schemeClr val="accent2">
-                    <a:lumMod val="50000"/>
-                  </a:schemeClr>
-                </a:solidFill>
-                <a:latin typeface="Consolas" charset="0"/>
-                <a:ea typeface="Consolas" charset="0"/>
-                <a:cs typeface="Consolas" charset="0"/>
-              </a:rPr>
-              <a:t>Generic type parameters, a base </a:t>
-            </a:r>
-            <a:r>
-              <a:rPr lang="en-US" dirty="0" smtClean="0">
-                <a:solidFill>
-                  <a:schemeClr val="accent2">
-                    <a:lumMod val="50000"/>
-                  </a:schemeClr>
-                </a:solidFill>
-                <a:latin typeface="Consolas" charset="0"/>
-                <a:ea typeface="Consolas" charset="0"/>
-                <a:cs typeface="Consolas" charset="0"/>
-              </a:rPr>
-              <a:t>					class</a:t>
-            </a:r>
-            <a:r>
-              <a:rPr lang="en-US" dirty="0">
-                <a:solidFill>
-                  <a:schemeClr val="accent2">
-                    <a:lumMod val="50000"/>
-                  </a:schemeClr>
-                </a:solidFill>
-                <a:latin typeface="Consolas" charset="0"/>
-                <a:ea typeface="Consolas" charset="0"/>
-                <a:cs typeface="Consolas" charset="0"/>
-              </a:rPr>
-              <a:t>, and </a:t>
-            </a:r>
-            <a:r>
-              <a:rPr lang="en-US" dirty="0" smtClean="0">
-                <a:solidFill>
-                  <a:schemeClr val="accent2">
-                    <a:lumMod val="50000"/>
-                  </a:schemeClr>
-                </a:solidFill>
-                <a:latin typeface="Consolas" charset="0"/>
-                <a:ea typeface="Consolas" charset="0"/>
-                <a:cs typeface="Consolas" charset="0"/>
-              </a:rPr>
-              <a:t>interfaces</a:t>
-            </a:r>
-            <a:r>
-              <a:rPr lang="en-US" dirty="0" smtClean="0">
-                <a:solidFill>
-                  <a:schemeClr val="accent2">
-                    <a:lumMod val="50000"/>
-                  </a:schemeClr>
-                </a:solidFill>
-                <a:latin typeface="Consolas" pitchFamily="49" charset="0"/>
-                <a:cs typeface="Consolas" pitchFamily="49" charset="0"/>
-              </a:rPr>
-              <a:t>] </a:t>
-            </a:r>
-            <a:endParaRPr lang="ru-RU" dirty="0">
-              <a:solidFill>
-                <a:schemeClr val="accent2">
-                  <a:lumMod val="50000"/>
-                </a:schemeClr>
-              </a:solidFill>
-              <a:latin typeface="Consolas" pitchFamily="49" charset="0"/>
-              <a:cs typeface="Consolas" pitchFamily="49" charset="0"/>
-            </a:endParaRPr>
-          </a:p>
-          <a:p>
-            <a:pPr>
-              <a:defRPr/>
-            </a:pPr>
-            <a:r>
-              <a:rPr lang="ru-RU" dirty="0">
-                <a:solidFill>
-                  <a:schemeClr val="accent2">
-                    <a:lumMod val="50000"/>
-                  </a:schemeClr>
-                </a:solidFill>
-                <a:latin typeface="Consolas" pitchFamily="49" charset="0"/>
-                <a:cs typeface="Consolas" pitchFamily="49" charset="0"/>
-              </a:rPr>
-              <a:t>{</a:t>
-            </a:r>
-          </a:p>
-          <a:p>
-            <a:r>
-              <a:rPr lang="en-US" dirty="0" smtClean="0">
-                <a:solidFill>
-                  <a:schemeClr val="accent2">
-                    <a:lumMod val="50000"/>
-                  </a:schemeClr>
-                </a:solidFill>
-                <a:latin typeface="Consolas" panose="020B0609020204030204" pitchFamily="49" charset="0"/>
-                <a:cs typeface="Consolas" panose="020B0609020204030204" pitchFamily="49" charset="0"/>
-              </a:rPr>
-              <a:t>    	Class members</a:t>
-            </a:r>
-            <a:r>
-              <a:rPr lang="ru-RU" dirty="0" smtClean="0">
-                <a:solidFill>
-                  <a:schemeClr val="accent2">
-                    <a:lumMod val="50000"/>
-                  </a:schemeClr>
-                </a:solidFill>
-                <a:latin typeface="Consolas" panose="020B0609020204030204" pitchFamily="49" charset="0"/>
-                <a:cs typeface="Consolas" panose="020B0609020204030204" pitchFamily="49" charset="0"/>
-              </a:rPr>
-              <a:t> </a:t>
-            </a:r>
-            <a:r>
-              <a:rPr lang="en-US" dirty="0" smtClean="0">
-                <a:solidFill>
-                  <a:schemeClr val="accent2">
-                    <a:lumMod val="50000"/>
-                  </a:schemeClr>
-                </a:solidFill>
-                <a:latin typeface="Consolas" panose="020B0609020204030204" pitchFamily="49" charset="0"/>
-                <a:cs typeface="Consolas" panose="020B0609020204030204" pitchFamily="49" charset="0"/>
-              </a:rPr>
-              <a:t>– </a:t>
-            </a:r>
-            <a:r>
-              <a:rPr lang="en-US" dirty="0">
-                <a:solidFill>
-                  <a:schemeClr val="accent2">
-                    <a:lumMod val="50000"/>
-                  </a:schemeClr>
-                </a:solidFill>
-                <a:latin typeface="Consolas" charset="0"/>
-                <a:ea typeface="Consolas" charset="0"/>
-                <a:cs typeface="Consolas" charset="0"/>
-              </a:rPr>
-              <a:t>these are methods, properties, indexers, </a:t>
-            </a:r>
-            <a:r>
-              <a:rPr lang="en-US" dirty="0" smtClean="0">
-                <a:solidFill>
-                  <a:schemeClr val="accent2">
-                    <a:lumMod val="50000"/>
-                  </a:schemeClr>
-                </a:solidFill>
-                <a:latin typeface="Consolas" charset="0"/>
-                <a:ea typeface="Consolas" charset="0"/>
-                <a:cs typeface="Consolas" charset="0"/>
-              </a:rPr>
-              <a:t>			events</a:t>
-            </a:r>
-            <a:r>
-              <a:rPr lang="en-US" dirty="0">
-                <a:solidFill>
-                  <a:schemeClr val="accent2">
-                    <a:lumMod val="50000"/>
-                  </a:schemeClr>
-                </a:solidFill>
-                <a:latin typeface="Consolas" charset="0"/>
-                <a:ea typeface="Consolas" charset="0"/>
-                <a:cs typeface="Consolas" charset="0"/>
-              </a:rPr>
-              <a:t>, </a:t>
-            </a:r>
-            <a:r>
-              <a:rPr lang="en-US" dirty="0" smtClean="0">
-                <a:solidFill>
-                  <a:schemeClr val="accent2">
-                    <a:lumMod val="50000"/>
-                  </a:schemeClr>
-                </a:solidFill>
-                <a:latin typeface="Consolas" charset="0"/>
-                <a:ea typeface="Consolas" charset="0"/>
-                <a:cs typeface="Consolas" charset="0"/>
-              </a:rPr>
-              <a:t>fields</a:t>
-            </a:r>
-            <a:r>
-              <a:rPr lang="en-US" dirty="0">
-                <a:solidFill>
-                  <a:schemeClr val="accent2">
-                    <a:lumMod val="50000"/>
-                  </a:schemeClr>
-                </a:solidFill>
-                <a:latin typeface="Consolas" charset="0"/>
-                <a:ea typeface="Consolas" charset="0"/>
-                <a:cs typeface="Consolas" charset="0"/>
-              </a:rPr>
-              <a:t>, </a:t>
-            </a:r>
-            <a:r>
-              <a:rPr lang="en-US" dirty="0" smtClean="0">
-                <a:solidFill>
-                  <a:schemeClr val="accent2">
-                    <a:lumMod val="50000"/>
-                  </a:schemeClr>
-                </a:solidFill>
-                <a:latin typeface="Consolas" charset="0"/>
-                <a:ea typeface="Consolas" charset="0"/>
-                <a:cs typeface="Consolas" charset="0"/>
-              </a:rPr>
-              <a:t>constructors</a:t>
-            </a:r>
-            <a:r>
-              <a:rPr lang="en-US" dirty="0">
-                <a:solidFill>
-                  <a:schemeClr val="accent2">
-                    <a:lumMod val="50000"/>
-                  </a:schemeClr>
-                </a:solidFill>
-                <a:latin typeface="Consolas" charset="0"/>
-                <a:ea typeface="Consolas" charset="0"/>
-                <a:cs typeface="Consolas" charset="0"/>
-              </a:rPr>
-              <a:t>, overloaded operators, </a:t>
-            </a:r>
-            <a:r>
-              <a:rPr lang="en-US" dirty="0" smtClean="0">
-                <a:solidFill>
-                  <a:schemeClr val="accent2">
-                    <a:lumMod val="50000"/>
-                  </a:schemeClr>
-                </a:solidFill>
-                <a:latin typeface="Consolas" charset="0"/>
-                <a:ea typeface="Consolas" charset="0"/>
-                <a:cs typeface="Consolas" charset="0"/>
-              </a:rPr>
-              <a:t>		nested </a:t>
-            </a:r>
-            <a:r>
-              <a:rPr lang="en-US" dirty="0">
-                <a:solidFill>
-                  <a:schemeClr val="accent2">
-                    <a:lumMod val="50000"/>
-                  </a:schemeClr>
-                </a:solidFill>
-                <a:latin typeface="Consolas" charset="0"/>
-                <a:ea typeface="Consolas" charset="0"/>
-                <a:cs typeface="Consolas" charset="0"/>
-              </a:rPr>
-              <a:t>types, and a </a:t>
-            </a:r>
-            <a:r>
-              <a:rPr lang="en-US" dirty="0" err="1" smtClean="0">
-                <a:solidFill>
-                  <a:schemeClr val="accent2">
-                    <a:lumMod val="50000"/>
-                  </a:schemeClr>
-                </a:solidFill>
-                <a:latin typeface="Consolas" charset="0"/>
-                <a:ea typeface="Consolas" charset="0"/>
-                <a:cs typeface="Consolas" charset="0"/>
-              </a:rPr>
-              <a:t>finalizer</a:t>
-            </a:r>
-            <a:r>
-              <a:rPr lang="en-US" dirty="0" smtClean="0">
-                <a:solidFill>
-                  <a:schemeClr val="accent2">
-                    <a:lumMod val="50000"/>
-                  </a:schemeClr>
-                </a:solidFill>
-              </a:rPr>
-              <a:t> </a:t>
-            </a:r>
-            <a:endParaRPr lang="en-US" dirty="0">
-              <a:solidFill>
-                <a:schemeClr val="accent2">
-                  <a:lumMod val="50000"/>
-                </a:schemeClr>
-              </a:solidFill>
-            </a:endParaRPr>
-          </a:p>
-          <a:p>
-            <a:pPr>
-              <a:defRPr/>
-            </a:pPr>
-            <a:endParaRPr lang="ru-RU" dirty="0">
-              <a:solidFill>
-                <a:schemeClr val="accent2">
-                  <a:lumMod val="50000"/>
-                </a:schemeClr>
-              </a:solidFill>
-              <a:latin typeface="Consolas" panose="020B0609020204030204" pitchFamily="49" charset="0"/>
-              <a:cs typeface="Consolas" panose="020B0609020204030204" pitchFamily="49" charset="0"/>
-            </a:endParaRPr>
-          </a:p>
-          <a:p>
-            <a:pPr>
-              <a:defRPr/>
-            </a:pPr>
-            <a:r>
-              <a:rPr lang="ru-RU" dirty="0">
-                <a:solidFill>
-                  <a:schemeClr val="accent2">
-                    <a:lumMod val="50000"/>
-                  </a:schemeClr>
-                </a:solidFill>
-                <a:latin typeface="Consolas" panose="020B0609020204030204" pitchFamily="49" charset="0"/>
-                <a:cs typeface="Consolas" panose="020B0609020204030204" pitchFamily="49" charset="0"/>
-              </a:rPr>
-              <a:t>}</a:t>
-            </a:r>
-          </a:p>
-        </p:txBody>
-      </p:sp>
-      <p:sp>
-        <p:nvSpPr>
-          <p:cNvPr id="4" name="Прямоугольник 3"/>
-          <p:cNvSpPr/>
-          <p:nvPr/>
-        </p:nvSpPr>
-        <p:spPr>
-          <a:xfrm>
-            <a:off x="228600" y="4353577"/>
-            <a:ext cx="7620000" cy="369332"/>
-          </a:xfrm>
-          <a:prstGeom prst="rect">
-            <a:avLst/>
-          </a:prstGeom>
-        </p:spPr>
-        <p:txBody>
-          <a:bodyPr wrap="square">
-            <a:spAutoFit/>
-          </a:bodyPr>
-          <a:lstStyle/>
-          <a:p>
-            <a:r>
-              <a:rPr lang="en-US" dirty="0">
-                <a:solidFill>
-                  <a:schemeClr val="accent2">
-                    <a:lumMod val="50000"/>
-                  </a:schemeClr>
-                </a:solidFill>
-                <a:latin typeface="Consolas" panose="020B0609020204030204" pitchFamily="49" charset="0"/>
-                <a:cs typeface="Consolas" panose="020B0609020204030204" pitchFamily="49" charset="0"/>
-              </a:rPr>
-              <a:t>public, internal, abstract, sealed, static, unsafe, partial</a:t>
-            </a:r>
-          </a:p>
-        </p:txBody>
-      </p:sp>
-      <p:cxnSp>
-        <p:nvCxnSpPr>
-          <p:cNvPr id="6" name="Прямая со стрелкой 5"/>
-          <p:cNvCxnSpPr/>
-          <p:nvPr/>
-        </p:nvCxnSpPr>
-        <p:spPr>
-          <a:xfrm flipH="1" flipV="1">
-            <a:off x="1219200" y="1752601"/>
-            <a:ext cx="2057400" cy="2514599"/>
-          </a:xfrm>
-          <a:prstGeom prst="straightConnector1">
-            <a:avLst/>
-          </a:prstGeom>
-          <a:ln w="28575">
-            <a:solidFill>
-              <a:schemeClr val="accent3">
-                <a:lumMod val="50000"/>
-              </a:schemeClr>
-            </a:solidFill>
-            <a:prstDash val="sysDot"/>
-            <a:headEnd type="none" w="med" len="med"/>
-            <a:tailEnd type="arrow" w="med" len="med"/>
-          </a:ln>
-          <a:effectLst/>
-        </p:spPr>
-        <p:style>
-          <a:lnRef idx="2">
-            <a:schemeClr val="accent1"/>
-          </a:lnRef>
-          <a:fillRef idx="0">
-            <a:schemeClr val="accent1"/>
-          </a:fillRef>
-          <a:effectRef idx="1">
-            <a:schemeClr val="accent1"/>
-          </a:effectRef>
-          <a:fontRef idx="minor">
-            <a:schemeClr val="tx1"/>
-          </a:fontRef>
-        </p:style>
-      </p:cxnSp>
+              <a:prstDash val="sysDot"/>
+              <a:headEnd type="none" w="med" len="med"/>
+              <a:tailEnd type="arrow" w="med" len="med"/>
+            </a:ln>
+            <a:effectLst/>
+          </p:spPr>
+          <p:style>
+            <a:lnRef idx="2">
+              <a:schemeClr val="accent1"/>
+            </a:lnRef>
+            <a:fillRef idx="0">
+              <a:schemeClr val="accent1"/>
+            </a:fillRef>
+            <a:effectRef idx="1">
+              <a:schemeClr val="accent1"/>
+            </a:effectRef>
+            <a:fontRef idx="minor">
+              <a:schemeClr val="tx1"/>
+            </a:fontRef>
+          </p:style>
+        </p:cxnSp>
+      </p:grpSp>
     </p:spTree>
     <p:extLst>
       <p:ext uri="{BB962C8B-B14F-4D97-AF65-F5344CB8AC3E}">
@@ -24905,14 +24963,14 @@
                 <a:gridCol w="3504190">
                   <a:extLst>
                     <a:ext uri="{9D8B030D-6E8A-4147-A177-3AD203B41FA5}">
-                      <a16:colId xmlns="" xmlns:a16="http://schemas.microsoft.com/office/drawing/2014/main" val="20000"/>
+                      <a16:colId xmlns:a16="http://schemas.microsoft.com/office/drawing/2014/main" xmlns="" val="20000"/>
                     </a:ext>
                   </a:extLst>
                 </a:gridCol>
                 <a:gridCol w="5030210">
                   <a:extLst>
                     <a:ext uri="{9D8B030D-6E8A-4147-A177-3AD203B41FA5}">
-                      <a16:colId xmlns="" xmlns:a16="http://schemas.microsoft.com/office/drawing/2014/main" val="20001"/>
+                      <a16:colId xmlns:a16="http://schemas.microsoft.com/office/drawing/2014/main" xmlns="" val="20001"/>
                     </a:ext>
                   </a:extLst>
                 </a:gridCol>
@@ -24966,7 +25024,7 @@
                 </a:tc>
                 <a:extLst>
                   <a:ext uri="{0D108BD9-81ED-4DB2-BD59-A6C34878D82A}">
-                    <a16:rowId xmlns="" xmlns:a16="http://schemas.microsoft.com/office/drawing/2014/main" val="10000"/>
+                    <a16:rowId xmlns:a16="http://schemas.microsoft.com/office/drawing/2014/main" xmlns="" val="10000"/>
                   </a:ext>
                 </a:extLst>
               </a:tr>
@@ -25023,7 +25081,7 @@
                 </a:tc>
                 <a:extLst>
                   <a:ext uri="{0D108BD9-81ED-4DB2-BD59-A6C34878D82A}">
-                    <a16:rowId xmlns="" xmlns:a16="http://schemas.microsoft.com/office/drawing/2014/main" val="10001"/>
+                    <a16:rowId xmlns:a16="http://schemas.microsoft.com/office/drawing/2014/main" xmlns="" val="10001"/>
                   </a:ext>
                 </a:extLst>
               </a:tr>
@@ -25076,7 +25134,7 @@
                 </a:tc>
                 <a:extLst>
                   <a:ext uri="{0D108BD9-81ED-4DB2-BD59-A6C34878D82A}">
-                    <a16:rowId xmlns="" xmlns:a16="http://schemas.microsoft.com/office/drawing/2014/main" val="10002"/>
+                    <a16:rowId xmlns:a16="http://schemas.microsoft.com/office/drawing/2014/main" xmlns="" val="10002"/>
                   </a:ext>
                 </a:extLst>
               </a:tr>
@@ -25129,7 +25187,7 @@
                 </a:tc>
                 <a:extLst>
                   <a:ext uri="{0D108BD9-81ED-4DB2-BD59-A6C34878D82A}">
-                    <a16:rowId xmlns="" xmlns:a16="http://schemas.microsoft.com/office/drawing/2014/main" val="10003"/>
+                    <a16:rowId xmlns:a16="http://schemas.microsoft.com/office/drawing/2014/main" xmlns="" val="10003"/>
                   </a:ext>
                 </a:extLst>
               </a:tr>
@@ -25182,7 +25240,7 @@
                 </a:tc>
                 <a:extLst>
                   <a:ext uri="{0D108BD9-81ED-4DB2-BD59-A6C34878D82A}">
-                    <a16:rowId xmlns="" xmlns:a16="http://schemas.microsoft.com/office/drawing/2014/main" val="10004"/>
+                    <a16:rowId xmlns:a16="http://schemas.microsoft.com/office/drawing/2014/main" xmlns="" val="10004"/>
                   </a:ext>
                 </a:extLst>
               </a:tr>
@@ -25235,7 +25293,7 @@
                 </a:tc>
                 <a:extLst>
                   <a:ext uri="{0D108BD9-81ED-4DB2-BD59-A6C34878D82A}">
-                    <a16:rowId xmlns="" xmlns:a16="http://schemas.microsoft.com/office/drawing/2014/main" val="10005"/>
+                    <a16:rowId xmlns:a16="http://schemas.microsoft.com/office/drawing/2014/main" xmlns="" val="10005"/>
                   </a:ext>
                 </a:extLst>
               </a:tr>
@@ -25433,14 +25491,14 @@
                 <a:gridCol w="3528140">
                   <a:extLst>
                     <a:ext uri="{9D8B030D-6E8A-4147-A177-3AD203B41FA5}">
-                      <a16:colId xmlns="" xmlns:a16="http://schemas.microsoft.com/office/drawing/2014/main" val="20000"/>
+                      <a16:colId xmlns:a16="http://schemas.microsoft.com/office/drawing/2014/main" xmlns="" val="20000"/>
                     </a:ext>
                   </a:extLst>
                 </a:gridCol>
                 <a:gridCol w="5064588">
                   <a:extLst>
                     <a:ext uri="{9D8B030D-6E8A-4147-A177-3AD203B41FA5}">
-                      <a16:colId xmlns="" xmlns:a16="http://schemas.microsoft.com/office/drawing/2014/main" val="20001"/>
+                      <a16:colId xmlns:a16="http://schemas.microsoft.com/office/drawing/2014/main" xmlns="" val="20001"/>
                     </a:ext>
                   </a:extLst>
                 </a:gridCol>
@@ -25494,7 +25552,7 @@
                 </a:tc>
                 <a:extLst>
                   <a:ext uri="{0D108BD9-81ED-4DB2-BD59-A6C34878D82A}">
-                    <a16:rowId xmlns="" xmlns:a16="http://schemas.microsoft.com/office/drawing/2014/main" val="10000"/>
+                    <a16:rowId xmlns:a16="http://schemas.microsoft.com/office/drawing/2014/main" xmlns="" val="10000"/>
                   </a:ext>
                 </a:extLst>
               </a:tr>
@@ -25551,7 +25609,7 @@
                 </a:tc>
                 <a:extLst>
                   <a:ext uri="{0D108BD9-81ED-4DB2-BD59-A6C34878D82A}">
-                    <a16:rowId xmlns="" xmlns:a16="http://schemas.microsoft.com/office/drawing/2014/main" val="10001"/>
+                    <a16:rowId xmlns:a16="http://schemas.microsoft.com/office/drawing/2014/main" xmlns="" val="10001"/>
                   </a:ext>
                 </a:extLst>
               </a:tr>
@@ -25612,7 +25670,7 @@
                 </a:tc>
                 <a:extLst>
                   <a:ext uri="{0D108BD9-81ED-4DB2-BD59-A6C34878D82A}">
-                    <a16:rowId xmlns="" xmlns:a16="http://schemas.microsoft.com/office/drawing/2014/main" val="10002"/>
+                    <a16:rowId xmlns:a16="http://schemas.microsoft.com/office/drawing/2014/main" xmlns="" val="10002"/>
                   </a:ext>
                 </a:extLst>
               </a:tr>
@@ -25665,7 +25723,7 @@
                 </a:tc>
                 <a:extLst>
                   <a:ext uri="{0D108BD9-81ED-4DB2-BD59-A6C34878D82A}">
-                    <a16:rowId xmlns="" xmlns:a16="http://schemas.microsoft.com/office/drawing/2014/main" val="10003"/>
+                    <a16:rowId xmlns:a16="http://schemas.microsoft.com/office/drawing/2014/main" xmlns="" val="10003"/>
                   </a:ext>
                 </a:extLst>
               </a:tr>
@@ -25939,14 +25997,14 @@
                 <a:gridCol w="3566766">
                   <a:extLst>
                     <a:ext uri="{9D8B030D-6E8A-4147-A177-3AD203B41FA5}">
-                      <a16:colId xmlns="" xmlns:a16="http://schemas.microsoft.com/office/drawing/2014/main" val="20000"/>
+                      <a16:colId xmlns:a16="http://schemas.microsoft.com/office/drawing/2014/main" xmlns="" val="20000"/>
                     </a:ext>
                   </a:extLst>
                 </a:gridCol>
                 <a:gridCol w="5120034">
                   <a:extLst>
                     <a:ext uri="{9D8B030D-6E8A-4147-A177-3AD203B41FA5}">
-                      <a16:colId xmlns="" xmlns:a16="http://schemas.microsoft.com/office/drawing/2014/main" val="20001"/>
+                      <a16:colId xmlns:a16="http://schemas.microsoft.com/office/drawing/2014/main" xmlns="" val="20001"/>
                     </a:ext>
                   </a:extLst>
                 </a:gridCol>
@@ -26000,7 +26058,7 @@
                 </a:tc>
                 <a:extLst>
                   <a:ext uri="{0D108BD9-81ED-4DB2-BD59-A6C34878D82A}">
-                    <a16:rowId xmlns="" xmlns:a16="http://schemas.microsoft.com/office/drawing/2014/main" val="10000"/>
+                    <a16:rowId xmlns:a16="http://schemas.microsoft.com/office/drawing/2014/main" xmlns="" val="10000"/>
                   </a:ext>
                 </a:extLst>
               </a:tr>
@@ -26057,7 +26115,7 @@
                 </a:tc>
                 <a:extLst>
                   <a:ext uri="{0D108BD9-81ED-4DB2-BD59-A6C34878D82A}">
-                    <a16:rowId xmlns="" xmlns:a16="http://schemas.microsoft.com/office/drawing/2014/main" val="10001"/>
+                    <a16:rowId xmlns:a16="http://schemas.microsoft.com/office/drawing/2014/main" xmlns="" val="10001"/>
                   </a:ext>
                 </a:extLst>
               </a:tr>
@@ -26110,7 +26168,7 @@
                 </a:tc>
                 <a:extLst>
                   <a:ext uri="{0D108BD9-81ED-4DB2-BD59-A6C34878D82A}">
-                    <a16:rowId xmlns="" xmlns:a16="http://schemas.microsoft.com/office/drawing/2014/main" val="10002"/>
+                    <a16:rowId xmlns:a16="http://schemas.microsoft.com/office/drawing/2014/main" xmlns="" val="10002"/>
                   </a:ext>
                 </a:extLst>
               </a:tr>
